--- a/Presentations_2022/LSHTM2022_Talk_ComparativeGenomics.pptx
+++ b/Presentations_2022/LSHTM2022_Talk_ComparativeGenomics.pptx
@@ -5,33 +5,31 @@
     <p:sldMasterId id="2147483659" r:id="rId1"/>
   </p:sldMasterIdLst>
   <p:notesMasterIdLst>
-    <p:notesMasterId r:id="rId26"/>
+    <p:notesMasterId r:id="rId24"/>
   </p:notesMasterIdLst>
   <p:sldIdLst>
     <p:sldId id="298" r:id="rId2"/>
-    <p:sldId id="297" r:id="rId3"/>
-    <p:sldId id="285" r:id="rId4"/>
-    <p:sldId id="286" r:id="rId5"/>
-    <p:sldId id="287" r:id="rId6"/>
-    <p:sldId id="288" r:id="rId7"/>
-    <p:sldId id="289" r:id="rId8"/>
-    <p:sldId id="290" r:id="rId9"/>
-    <p:sldId id="291" r:id="rId10"/>
-    <p:sldId id="292" r:id="rId11"/>
-    <p:sldId id="293" r:id="rId12"/>
-    <p:sldId id="266" r:id="rId13"/>
-    <p:sldId id="280" r:id="rId14"/>
-    <p:sldId id="281" r:id="rId15"/>
-    <p:sldId id="294" r:id="rId16"/>
-    <p:sldId id="295" r:id="rId17"/>
-    <p:sldId id="296" r:id="rId18"/>
-    <p:sldId id="271" r:id="rId19"/>
-    <p:sldId id="272" r:id="rId20"/>
-    <p:sldId id="273" r:id="rId21"/>
-    <p:sldId id="274" r:id="rId22"/>
-    <p:sldId id="275" r:id="rId23"/>
-    <p:sldId id="277" r:id="rId24"/>
-    <p:sldId id="278" r:id="rId25"/>
+    <p:sldId id="286" r:id="rId3"/>
+    <p:sldId id="287" r:id="rId4"/>
+    <p:sldId id="288" r:id="rId5"/>
+    <p:sldId id="289" r:id="rId6"/>
+    <p:sldId id="290" r:id="rId7"/>
+    <p:sldId id="291" r:id="rId8"/>
+    <p:sldId id="292" r:id="rId9"/>
+    <p:sldId id="293" r:id="rId10"/>
+    <p:sldId id="266" r:id="rId11"/>
+    <p:sldId id="280" r:id="rId12"/>
+    <p:sldId id="281" r:id="rId13"/>
+    <p:sldId id="294" r:id="rId14"/>
+    <p:sldId id="295" r:id="rId15"/>
+    <p:sldId id="296" r:id="rId16"/>
+    <p:sldId id="271" r:id="rId17"/>
+    <p:sldId id="272" r:id="rId18"/>
+    <p:sldId id="273" r:id="rId19"/>
+    <p:sldId id="274" r:id="rId20"/>
+    <p:sldId id="275" r:id="rId21"/>
+    <p:sldId id="277" r:id="rId22"/>
+    <p:sldId id="278" r:id="rId23"/>
   </p:sldIdLst>
   <p:sldSz cx="12192000" cy="6858000"/>
   <p:notesSz cx="6858000" cy="9144000"/>
@@ -2139,7 +2137,7 @@
             </a:pPr>
             <a:fld id="{00000000-1234-1234-1234-123412341234}" type="slidenum">
               <a:rPr lang="en-US"/>
-              <a:t>19</a:t>
+              <a:t>17</a:t>
             </a:fld>
             <a:endParaRPr sz="1400">
               <a:latin typeface="Arial"/>
@@ -13982,7 +13980,7 @@
         </p:nvSpPr>
         <p:spPr>
           <a:xfrm>
-            <a:off x="1524000" y="661181"/>
+            <a:off x="1524000" y="1492454"/>
             <a:ext cx="9144000" cy="1588316"/>
           </a:xfrm>
         </p:spPr>
@@ -13992,7 +13990,14 @@
           <a:p>
             <a:r>
               <a:rPr lang="en-US" dirty="0"/>
-              <a:t>Parasite Genomics: Day 2</a:t>
+              <a:t>Parasite Genomics</a:t>
+            </a:r>
+            <a:br>
+              <a:rPr lang="en-US" dirty="0"/>
+            </a:br>
+            <a:r>
+              <a:rPr lang="en-US" dirty="0"/>
+              <a:t>Comparative Genomics</a:t>
             </a:r>
           </a:p>
         </p:txBody>
@@ -14015,7 +14020,7 @@
         </p:nvSpPr>
         <p:spPr>
           <a:xfrm>
-            <a:off x="1524000" y="2949297"/>
+            <a:off x="1524000" y="3780570"/>
             <a:ext cx="9144000" cy="1655762"/>
           </a:xfrm>
         </p:spPr>
@@ -14060,1215 +14065,6 @@
 </file>
 
 <file path=ppt/slides/slide10.xml><?xml version="1.0" encoding="utf-8"?>
-<p:sld xmlns:a="http://schemas.openxmlformats.org/drawingml/2006/main" xmlns:r="http://schemas.openxmlformats.org/officeDocument/2006/relationships" xmlns:p="http://schemas.openxmlformats.org/presentationml/2006/main">
-  <p:cSld>
-    <p:spTree>
-      <p:nvGrpSpPr>
-        <p:cNvPr id="1" name="Shape 142"/>
-        <p:cNvGrpSpPr/>
-        <p:nvPr/>
-      </p:nvGrpSpPr>
-      <p:grpSpPr>
-        <a:xfrm>
-          <a:off x="0" y="0"/>
-          <a:ext cx="0" cy="0"/>
-          <a:chOff x="0" y="0"/>
-          <a:chExt cx="0" cy="0"/>
-        </a:xfrm>
-      </p:grpSpPr>
-      <p:sp>
-        <p:nvSpPr>
-          <p:cNvPr id="143" name="Google Shape;143;p20"/>
-          <p:cNvSpPr txBox="1">
-            <a:spLocks noGrp="1"/>
-          </p:cNvSpPr>
-          <p:nvPr>
-            <p:ph type="body" idx="1"/>
-          </p:nvPr>
-        </p:nvSpPr>
-        <p:spPr>
-          <a:xfrm>
-            <a:off x="1266092" y="1268412"/>
-            <a:ext cx="9594166" cy="4114800"/>
-          </a:xfrm>
-          <a:prstGeom prst="rect">
-            <a:avLst/>
-          </a:prstGeom>
-          <a:noFill/>
-          <a:ln>
-            <a:noFill/>
-          </a:ln>
-        </p:spPr>
-        <p:txBody>
-          <a:bodyPr spcFirstLastPara="1" vert="horz" wrap="square" lIns="91425" tIns="45700" rIns="91425" bIns="45700" rtlCol="0" anchor="t" anchorCtr="0">
-            <a:noAutofit/>
-          </a:bodyPr>
-          <a:lstStyle/>
-          <a:p>
-            <a:pPr marL="342900" indent="-342900">
-              <a:lnSpc>
-                <a:spcPct val="100000"/>
-              </a:lnSpc>
-              <a:spcBef>
-                <a:spcPts val="0"/>
-              </a:spcBef>
-              <a:buClr>
-                <a:schemeClr val="dk1"/>
-              </a:buClr>
-              <a:buSzPts val="2800"/>
-              <a:buFont typeface="Calibri"/>
-              <a:buChar char="•"/>
-            </a:pPr>
-            <a:r>
-              <a:rPr lang="en-US" sz="2400" dirty="0">
-                <a:solidFill>
-                  <a:schemeClr val="dk1"/>
-                </a:solidFill>
-                <a:ea typeface="Calibri"/>
-                <a:cs typeface="Calibri"/>
-                <a:sym typeface="Calibri"/>
-              </a:rPr>
-              <a:t>The program</a:t>
-            </a:r>
-            <a:endParaRPr sz="2400" dirty="0"/>
-          </a:p>
-          <a:p>
-            <a:pPr marL="742950" lvl="1" indent="-285750">
-              <a:lnSpc>
-                <a:spcPct val="100000"/>
-              </a:lnSpc>
-              <a:spcBef>
-                <a:spcPts val="480"/>
-              </a:spcBef>
-              <a:buClr>
-                <a:schemeClr val="dk1"/>
-              </a:buClr>
-              <a:buSzPts val="2400"/>
-              <a:buFont typeface="Calibri"/>
-              <a:buChar char="–"/>
-            </a:pPr>
-            <a:r>
-              <a:rPr lang="en-US" sz="2000" dirty="0">
-                <a:solidFill>
-                  <a:schemeClr val="dk1"/>
-                </a:solidFill>
-                <a:ea typeface="Calibri"/>
-                <a:cs typeface="Calibri"/>
-                <a:sym typeface="Calibri"/>
-              </a:rPr>
-              <a:t>Local install (currently on your VM desktop) or on the web (as described in your manual)</a:t>
-            </a:r>
-            <a:endParaRPr sz="2000" dirty="0"/>
-          </a:p>
-          <a:p>
-            <a:pPr marL="742950" lvl="1" indent="-285750">
-              <a:lnSpc>
-                <a:spcPct val="100000"/>
-              </a:lnSpc>
-              <a:spcBef>
-                <a:spcPts val="480"/>
-              </a:spcBef>
-              <a:buClr>
-                <a:schemeClr val="dk1"/>
-              </a:buClr>
-              <a:buSzPts val="2400"/>
-              <a:buNone/>
-            </a:pPr>
-            <a:endParaRPr dirty="0">
-              <a:solidFill>
-                <a:schemeClr val="dk1"/>
-              </a:solidFill>
-              <a:ea typeface="Calibri"/>
-              <a:cs typeface="Calibri"/>
-              <a:sym typeface="Calibri"/>
-            </a:endParaRPr>
-          </a:p>
-          <a:p>
-            <a:pPr marL="342900" indent="-342900">
-              <a:lnSpc>
-                <a:spcPct val="100000"/>
-              </a:lnSpc>
-              <a:spcBef>
-                <a:spcPts val="480"/>
-              </a:spcBef>
-              <a:buClr>
-                <a:schemeClr val="dk1"/>
-              </a:buClr>
-              <a:buSzPts val="2400"/>
-              <a:buFont typeface="Calibri"/>
-              <a:buChar char="•"/>
-            </a:pPr>
-            <a:r>
-              <a:rPr lang="en-US" sz="2400" dirty="0">
-                <a:solidFill>
-                  <a:schemeClr val="dk1"/>
-                </a:solidFill>
-                <a:ea typeface="Calibri"/>
-                <a:cs typeface="Calibri"/>
-                <a:sym typeface="Calibri"/>
-              </a:rPr>
-              <a:t>Two or more files containing sequence information</a:t>
-            </a:r>
-            <a:endParaRPr sz="2400" dirty="0"/>
-          </a:p>
-          <a:p>
-            <a:pPr marL="742950" lvl="1" indent="-285750">
-              <a:lnSpc>
-                <a:spcPct val="100000"/>
-              </a:lnSpc>
-              <a:spcBef>
-                <a:spcPts val="400"/>
-              </a:spcBef>
-              <a:buClr>
-                <a:schemeClr val="dk1"/>
-              </a:buClr>
-              <a:buSzPts val="2000"/>
-              <a:buFont typeface="Calibri"/>
-              <a:buChar char="–"/>
-            </a:pPr>
-            <a:r>
-              <a:rPr lang="en-US" sz="2000" dirty="0">
-                <a:solidFill>
-                  <a:schemeClr val="dk1"/>
-                </a:solidFill>
-                <a:ea typeface="Calibri"/>
-                <a:cs typeface="Calibri"/>
-                <a:sym typeface="Calibri"/>
-              </a:rPr>
-              <a:t>Format: </a:t>
-            </a:r>
-            <a:r>
-              <a:rPr lang="en-US" sz="2000" dirty="0" err="1">
-                <a:solidFill>
-                  <a:schemeClr val="dk1"/>
-                </a:solidFill>
-                <a:ea typeface="Calibri"/>
-                <a:cs typeface="Calibri"/>
-                <a:sym typeface="Calibri"/>
-              </a:rPr>
-              <a:t>Fasta</a:t>
-            </a:r>
-            <a:r>
-              <a:rPr lang="en-US" sz="2000" dirty="0">
-                <a:solidFill>
-                  <a:schemeClr val="dk1"/>
-                </a:solidFill>
-                <a:ea typeface="Calibri"/>
-                <a:cs typeface="Calibri"/>
-                <a:sym typeface="Calibri"/>
-              </a:rPr>
-              <a:t>, EMBL, </a:t>
-            </a:r>
-            <a:r>
-              <a:rPr lang="en-US" sz="2000" dirty="0" err="1">
-                <a:solidFill>
-                  <a:schemeClr val="dk1"/>
-                </a:solidFill>
-                <a:ea typeface="Calibri"/>
-                <a:cs typeface="Calibri"/>
-                <a:sym typeface="Calibri"/>
-              </a:rPr>
-              <a:t>Genbank</a:t>
-            </a:r>
-            <a:endParaRPr sz="2000" dirty="0"/>
-          </a:p>
-          <a:p>
-            <a:pPr marL="342900" indent="-190500">
-              <a:lnSpc>
-                <a:spcPct val="100000"/>
-              </a:lnSpc>
-              <a:spcBef>
-                <a:spcPts val="480"/>
-              </a:spcBef>
-              <a:buClr>
-                <a:schemeClr val="dk1"/>
-              </a:buClr>
-              <a:buSzPts val="2400"/>
-              <a:buNone/>
-            </a:pPr>
-            <a:endParaRPr sz="2400" dirty="0">
-              <a:solidFill>
-                <a:schemeClr val="dk1"/>
-              </a:solidFill>
-              <a:ea typeface="Calibri"/>
-              <a:cs typeface="Calibri"/>
-              <a:sym typeface="Calibri"/>
-            </a:endParaRPr>
-          </a:p>
-          <a:p>
-            <a:pPr marL="342900" indent="-342900">
-              <a:lnSpc>
-                <a:spcPct val="100000"/>
-              </a:lnSpc>
-              <a:spcBef>
-                <a:spcPts val="480"/>
-              </a:spcBef>
-              <a:buClr>
-                <a:schemeClr val="dk1"/>
-              </a:buClr>
-              <a:buSzPts val="2400"/>
-              <a:buFont typeface="Calibri"/>
-              <a:buChar char="•"/>
-            </a:pPr>
-            <a:r>
-              <a:rPr lang="en-US" sz="2400" b="1" dirty="0">
-                <a:solidFill>
-                  <a:schemeClr val="dk1"/>
-                </a:solidFill>
-                <a:ea typeface="Calibri"/>
-                <a:cs typeface="Calibri"/>
-                <a:sym typeface="Calibri"/>
-              </a:rPr>
-              <a:t>Output from a comparative analysis of those sequence files</a:t>
-            </a:r>
-            <a:endParaRPr sz="2400" dirty="0"/>
-          </a:p>
-          <a:p>
-            <a:pPr marL="742950" lvl="1" indent="-285750">
-              <a:lnSpc>
-                <a:spcPct val="100000"/>
-              </a:lnSpc>
-              <a:spcBef>
-                <a:spcPts val="400"/>
-              </a:spcBef>
-              <a:buClr>
-                <a:schemeClr val="dk1"/>
-              </a:buClr>
-              <a:buSzPts val="2000"/>
-              <a:buFont typeface="Calibri"/>
-              <a:buChar char="–"/>
-            </a:pPr>
-            <a:r>
-              <a:rPr lang="en-US" sz="2000" dirty="0">
-                <a:solidFill>
-                  <a:schemeClr val="dk1"/>
-                </a:solidFill>
-                <a:ea typeface="Calibri"/>
-                <a:cs typeface="Calibri"/>
-                <a:sym typeface="Calibri"/>
-              </a:rPr>
-              <a:t>Format: BLAST, mummer, VCF</a:t>
-            </a:r>
-            <a:endParaRPr sz="2000" dirty="0"/>
-          </a:p>
-          <a:p>
-            <a:pPr marL="342900" indent="-190500">
-              <a:lnSpc>
-                <a:spcPct val="100000"/>
-              </a:lnSpc>
-              <a:spcBef>
-                <a:spcPts val="480"/>
-              </a:spcBef>
-              <a:buClr>
-                <a:schemeClr val="dk1"/>
-              </a:buClr>
-              <a:buSzPts val="2400"/>
-              <a:buNone/>
-            </a:pPr>
-            <a:endParaRPr sz="2400" dirty="0">
-              <a:solidFill>
-                <a:schemeClr val="dk1"/>
-              </a:solidFill>
-              <a:ea typeface="Calibri"/>
-              <a:cs typeface="Calibri"/>
-              <a:sym typeface="Calibri"/>
-            </a:endParaRPr>
-          </a:p>
-          <a:p>
-            <a:pPr marL="342900" indent="-342900">
-              <a:lnSpc>
-                <a:spcPct val="100000"/>
-              </a:lnSpc>
-              <a:spcBef>
-                <a:spcPts val="480"/>
-              </a:spcBef>
-              <a:buClr>
-                <a:schemeClr val="dk1"/>
-              </a:buClr>
-              <a:buSzPts val="2400"/>
-              <a:buFont typeface="Calibri"/>
-              <a:buChar char="•"/>
-            </a:pPr>
-            <a:r>
-              <a:rPr lang="en-US" sz="2400" dirty="0">
-                <a:solidFill>
-                  <a:schemeClr val="dk1"/>
-                </a:solidFill>
-                <a:ea typeface="Calibri"/>
-                <a:cs typeface="Calibri"/>
-                <a:sym typeface="Calibri"/>
-              </a:rPr>
-              <a:t>Optional: Additional metadata</a:t>
-            </a:r>
-            <a:endParaRPr sz="2400" dirty="0"/>
-          </a:p>
-          <a:p>
-            <a:pPr marL="742950" lvl="1" indent="-285750">
-              <a:lnSpc>
-                <a:spcPct val="100000"/>
-              </a:lnSpc>
-              <a:spcBef>
-                <a:spcPts val="400"/>
-              </a:spcBef>
-              <a:buClr>
-                <a:schemeClr val="dk1"/>
-              </a:buClr>
-              <a:buSzPts val="2000"/>
-              <a:buFont typeface="Calibri"/>
-              <a:buChar char="–"/>
-            </a:pPr>
-            <a:r>
-              <a:rPr lang="en-US" sz="2000" dirty="0">
-                <a:solidFill>
-                  <a:schemeClr val="dk1"/>
-                </a:solidFill>
-                <a:ea typeface="Calibri"/>
-                <a:cs typeface="Calibri"/>
-                <a:sym typeface="Calibri"/>
-              </a:rPr>
-              <a:t>Format: GFF, EMBL</a:t>
-            </a:r>
-            <a:endParaRPr sz="2000" dirty="0"/>
-          </a:p>
-        </p:txBody>
-      </p:sp>
-      <p:sp>
-        <p:nvSpPr>
-          <p:cNvPr id="4" name="Google Shape;110;p15">
-            <a:extLst>
-              <a:ext uri="{FF2B5EF4-FFF2-40B4-BE49-F238E27FC236}">
-                <a16:creationId xmlns:a16="http://schemas.microsoft.com/office/drawing/2014/main" id="{E8BC432D-CC78-EE4F-8C25-FCF8E909F698}"/>
-              </a:ext>
-            </a:extLst>
-          </p:cNvPr>
-          <p:cNvSpPr txBox="1"/>
-          <p:nvPr/>
-        </p:nvSpPr>
-        <p:spPr>
-          <a:xfrm>
-            <a:off x="0" y="0"/>
-            <a:ext cx="12192000" cy="1143000"/>
-          </a:xfrm>
-          <a:prstGeom prst="rect">
-            <a:avLst/>
-          </a:prstGeom>
-          <a:noFill/>
-          <a:ln>
-            <a:noFill/>
-          </a:ln>
-        </p:spPr>
-        <p:txBody>
-          <a:bodyPr spcFirstLastPara="1" wrap="square" lIns="91425" tIns="45700" rIns="91425" bIns="45700" anchor="ctr" anchorCtr="0">
-            <a:noAutofit/>
-          </a:bodyPr>
-          <a:lstStyle/>
-          <a:p>
-            <a:pPr>
-              <a:buClr>
-                <a:schemeClr val="dk2"/>
-              </a:buClr>
-              <a:buSzPts val="4400"/>
-            </a:pPr>
-            <a:r>
-              <a:rPr lang="en-US" sz="3600" dirty="0">
-                <a:latin typeface="Calibri"/>
-                <a:ea typeface="Calibri"/>
-                <a:cs typeface="Calibri"/>
-                <a:sym typeface="Calibri"/>
-              </a:rPr>
-              <a:t>    What do you need to run ACT?</a:t>
-            </a:r>
-            <a:endParaRPr sz="3600" dirty="0"/>
-          </a:p>
-        </p:txBody>
-      </p:sp>
-    </p:spTree>
-    <p:extLst>
-      <p:ext uri="{BB962C8B-B14F-4D97-AF65-F5344CB8AC3E}">
-        <p14:creationId xmlns:p14="http://schemas.microsoft.com/office/powerpoint/2010/main" val="3785274833"/>
-      </p:ext>
-    </p:extLst>
-  </p:cSld>
-  <p:clrMapOvr>
-    <a:masterClrMapping/>
-  </p:clrMapOvr>
-</p:sld>
-</file>
-
-<file path=ppt/slides/slide11.xml><?xml version="1.0" encoding="utf-8"?>
-<p:sld xmlns:a="http://schemas.openxmlformats.org/drawingml/2006/main" xmlns:r="http://schemas.openxmlformats.org/officeDocument/2006/relationships" xmlns:p="http://schemas.openxmlformats.org/presentationml/2006/main">
-  <p:cSld>
-    <p:spTree>
-      <p:nvGrpSpPr>
-        <p:cNvPr id="1" name="Shape 148"/>
-        <p:cNvGrpSpPr/>
-        <p:nvPr/>
-      </p:nvGrpSpPr>
-      <p:grpSpPr>
-        <a:xfrm>
-          <a:off x="0" y="0"/>
-          <a:ext cx="0" cy="0"/>
-          <a:chOff x="0" y="0"/>
-          <a:chExt cx="0" cy="0"/>
-        </a:xfrm>
-      </p:grpSpPr>
-      <p:pic>
-        <p:nvPicPr>
-          <p:cNvPr id="149" name="Google Shape;149;p21" descr="GENEPRED"/>
-          <p:cNvPicPr preferRelativeResize="0"/>
-          <p:nvPr/>
-        </p:nvPicPr>
-        <p:blipFill rotWithShape="1">
-          <a:blip r:embed="rId3">
-            <a:alphaModFix/>
-          </a:blip>
-          <a:srcRect/>
-          <a:stretch/>
-        </p:blipFill>
-        <p:spPr>
-          <a:xfrm>
-            <a:off x="2711451" y="1628776"/>
-            <a:ext cx="6600825" cy="3959225"/>
-          </a:xfrm>
-          <a:prstGeom prst="rect">
-            <a:avLst/>
-          </a:prstGeom>
-          <a:noFill/>
-          <a:ln>
-            <a:noFill/>
-          </a:ln>
-        </p:spPr>
-      </p:pic>
-      <p:sp>
-        <p:nvSpPr>
-          <p:cNvPr id="151" name="Google Shape;151;p21"/>
-          <p:cNvSpPr/>
-          <p:nvPr/>
-        </p:nvSpPr>
-        <p:spPr>
-          <a:xfrm>
-            <a:off x="2424113" y="1628776"/>
-            <a:ext cx="142875" cy="936625"/>
-          </a:xfrm>
-          <a:prstGeom prst="leftBrace">
-            <a:avLst>
-              <a:gd name="adj1" fmla="val 277"/>
-              <a:gd name="adj2" fmla="val 50000"/>
-            </a:avLst>
-          </a:prstGeom>
-          <a:noFill/>
-          <a:ln w="25400" cap="flat" cmpd="sng">
-            <a:solidFill>
-              <a:schemeClr val="dk1"/>
-            </a:solidFill>
-            <a:prstDash val="solid"/>
-            <a:miter lim="800000"/>
-            <a:headEnd type="none" w="sm" len="sm"/>
-            <a:tailEnd type="none" w="sm" len="sm"/>
-          </a:ln>
-          <a:effectLst>
-            <a:outerShdw blurRad="63500" dist="20000" dir="5400000">
-              <a:srgbClr val="808080">
-                <a:alpha val="37647"/>
-              </a:srgbClr>
-            </a:outerShdw>
-          </a:effectLst>
-        </p:spPr>
-        <p:txBody>
-          <a:bodyPr spcFirstLastPara="1" wrap="square" lIns="91425" tIns="45700" rIns="91425" bIns="45700" anchor="ctr" anchorCtr="0">
-            <a:noAutofit/>
-          </a:bodyPr>
-          <a:lstStyle/>
-          <a:p>
-            <a:endParaRPr sz="2400">
-              <a:solidFill>
-                <a:schemeClr val="dk1"/>
-              </a:solidFill>
-              <a:latin typeface="Times New Roman"/>
-              <a:ea typeface="Times New Roman"/>
-              <a:cs typeface="Times New Roman"/>
-              <a:sym typeface="Times New Roman"/>
-            </a:endParaRPr>
-          </a:p>
-        </p:txBody>
-      </p:sp>
-      <p:sp>
-        <p:nvSpPr>
-          <p:cNvPr id="152" name="Google Shape;152;p21"/>
-          <p:cNvSpPr/>
-          <p:nvPr/>
-        </p:nvSpPr>
-        <p:spPr>
-          <a:xfrm>
-            <a:off x="2424113" y="4652963"/>
-            <a:ext cx="142875" cy="936625"/>
-          </a:xfrm>
-          <a:prstGeom prst="leftBrace">
-            <a:avLst>
-              <a:gd name="adj1" fmla="val 277"/>
-              <a:gd name="adj2" fmla="val 50000"/>
-            </a:avLst>
-          </a:prstGeom>
-          <a:noFill/>
-          <a:ln w="25400" cap="flat" cmpd="sng">
-            <a:solidFill>
-              <a:schemeClr val="dk1"/>
-            </a:solidFill>
-            <a:prstDash val="solid"/>
-            <a:miter lim="800000"/>
-            <a:headEnd type="none" w="sm" len="sm"/>
-            <a:tailEnd type="none" w="sm" len="sm"/>
-          </a:ln>
-          <a:effectLst>
-            <a:outerShdw blurRad="63500" dist="20000" dir="5400000">
-              <a:srgbClr val="808080">
-                <a:alpha val="37647"/>
-              </a:srgbClr>
-            </a:outerShdw>
-          </a:effectLst>
-        </p:spPr>
-        <p:txBody>
-          <a:bodyPr spcFirstLastPara="1" wrap="square" lIns="91425" tIns="45700" rIns="91425" bIns="45700" anchor="ctr" anchorCtr="0">
-            <a:noAutofit/>
-          </a:bodyPr>
-          <a:lstStyle/>
-          <a:p>
-            <a:endParaRPr sz="2400">
-              <a:solidFill>
-                <a:schemeClr val="dk1"/>
-              </a:solidFill>
-              <a:latin typeface="Times New Roman"/>
-              <a:ea typeface="Times New Roman"/>
-              <a:cs typeface="Times New Roman"/>
-              <a:sym typeface="Times New Roman"/>
-            </a:endParaRPr>
-          </a:p>
-        </p:txBody>
-      </p:sp>
-      <p:sp>
-        <p:nvSpPr>
-          <p:cNvPr id="153" name="Google Shape;153;p21"/>
-          <p:cNvSpPr txBox="1"/>
-          <p:nvPr/>
-        </p:nvSpPr>
-        <p:spPr>
-          <a:xfrm>
-            <a:off x="829561" y="1844675"/>
-            <a:ext cx="1708591" cy="461962"/>
-          </a:xfrm>
-          <a:prstGeom prst="rect">
-            <a:avLst/>
-          </a:prstGeom>
-          <a:noFill/>
-          <a:ln>
-            <a:noFill/>
-          </a:ln>
-        </p:spPr>
-        <p:txBody>
-          <a:bodyPr spcFirstLastPara="1" wrap="square" lIns="91425" tIns="45700" rIns="91425" bIns="45700" anchor="t" anchorCtr="0">
-            <a:noAutofit/>
-          </a:bodyPr>
-          <a:lstStyle/>
-          <a:p>
-            <a:pPr>
-              <a:buClr>
-                <a:schemeClr val="dk1"/>
-              </a:buClr>
-              <a:buSzPts val="2400"/>
-            </a:pPr>
-            <a:r>
-              <a:rPr lang="en-US" sz="2400" dirty="0">
-                <a:solidFill>
-                  <a:schemeClr val="dk1"/>
-                </a:solidFill>
-                <a:latin typeface="Calibri"/>
-                <a:ea typeface="Calibri"/>
-                <a:cs typeface="Calibri"/>
-                <a:sym typeface="Calibri"/>
-              </a:rPr>
-              <a:t>Sequence 1</a:t>
-            </a:r>
-            <a:endParaRPr dirty="0"/>
-          </a:p>
-        </p:txBody>
-      </p:sp>
-      <p:sp>
-        <p:nvSpPr>
-          <p:cNvPr id="154" name="Google Shape;154;p21"/>
-          <p:cNvSpPr txBox="1"/>
-          <p:nvPr/>
-        </p:nvSpPr>
-        <p:spPr>
-          <a:xfrm>
-            <a:off x="829561" y="4868862"/>
-            <a:ext cx="1708591" cy="461962"/>
-          </a:xfrm>
-          <a:prstGeom prst="rect">
-            <a:avLst/>
-          </a:prstGeom>
-          <a:noFill/>
-          <a:ln>
-            <a:noFill/>
-          </a:ln>
-        </p:spPr>
-        <p:txBody>
-          <a:bodyPr spcFirstLastPara="1" wrap="square" lIns="91425" tIns="45700" rIns="91425" bIns="45700" anchor="t" anchorCtr="0">
-            <a:noAutofit/>
-          </a:bodyPr>
-          <a:lstStyle/>
-          <a:p>
-            <a:pPr>
-              <a:buClr>
-                <a:schemeClr val="dk1"/>
-              </a:buClr>
-              <a:buSzPts val="2400"/>
-            </a:pPr>
-            <a:r>
-              <a:rPr lang="en-US" sz="2400" dirty="0">
-                <a:solidFill>
-                  <a:schemeClr val="dk1"/>
-                </a:solidFill>
-                <a:latin typeface="Calibri"/>
-                <a:ea typeface="Calibri"/>
-                <a:cs typeface="Calibri"/>
-                <a:sym typeface="Calibri"/>
-              </a:rPr>
-              <a:t>Sequence 2</a:t>
-            </a:r>
-            <a:endParaRPr dirty="0"/>
-          </a:p>
-        </p:txBody>
-      </p:sp>
-      <p:cxnSp>
-        <p:nvCxnSpPr>
-          <p:cNvPr id="155" name="Google Shape;155;p21"/>
-          <p:cNvCxnSpPr/>
-          <p:nvPr/>
-        </p:nvCxnSpPr>
-        <p:spPr>
-          <a:xfrm rot="10800000" flipH="1">
-            <a:off x="3359150" y="5373687"/>
-            <a:ext cx="144462" cy="647700"/>
-          </a:xfrm>
-          <a:prstGeom prst="straightConnector1">
-            <a:avLst/>
-          </a:prstGeom>
-          <a:noFill/>
-          <a:ln w="25400" cap="flat" cmpd="sng">
-            <a:solidFill>
-              <a:srgbClr val="000000"/>
-            </a:solidFill>
-            <a:prstDash val="solid"/>
-            <a:miter lim="800000"/>
-            <a:headEnd type="none" w="med" len="med"/>
-            <a:tailEnd type="stealth" w="med" len="med"/>
-          </a:ln>
-          <a:effectLst>
-            <a:outerShdw blurRad="63500" dist="20000" dir="5400000">
-              <a:srgbClr val="808080">
-                <a:alpha val="37647"/>
-              </a:srgbClr>
-            </a:outerShdw>
-          </a:effectLst>
-        </p:spPr>
-      </p:cxnSp>
-      <p:cxnSp>
-        <p:nvCxnSpPr>
-          <p:cNvPr id="156" name="Google Shape;156;p21"/>
-          <p:cNvCxnSpPr/>
-          <p:nvPr/>
-        </p:nvCxnSpPr>
-        <p:spPr>
-          <a:xfrm rot="10800000" flipH="1">
-            <a:off x="3359151" y="5300663"/>
-            <a:ext cx="1152525" cy="720725"/>
-          </a:xfrm>
-          <a:prstGeom prst="straightConnector1">
-            <a:avLst/>
-          </a:prstGeom>
-          <a:noFill/>
-          <a:ln w="25400" cap="flat" cmpd="sng">
-            <a:solidFill>
-              <a:srgbClr val="000000"/>
-            </a:solidFill>
-            <a:prstDash val="solid"/>
-            <a:miter lim="800000"/>
-            <a:headEnd type="none" w="med" len="med"/>
-            <a:tailEnd type="stealth" w="med" len="med"/>
-          </a:ln>
-          <a:effectLst>
-            <a:outerShdw blurRad="63500" dist="20000" dir="5400000">
-              <a:srgbClr val="808080">
-                <a:alpha val="37647"/>
-              </a:srgbClr>
-            </a:outerShdw>
-          </a:effectLst>
-        </p:spPr>
-      </p:cxnSp>
-      <p:sp>
-        <p:nvSpPr>
-          <p:cNvPr id="157" name="Google Shape;157;p21"/>
-          <p:cNvSpPr txBox="1"/>
-          <p:nvPr/>
-        </p:nvSpPr>
-        <p:spPr>
-          <a:xfrm>
-            <a:off x="2279651" y="6021387"/>
-            <a:ext cx="2546873" cy="461962"/>
-          </a:xfrm>
-          <a:prstGeom prst="rect">
-            <a:avLst/>
-          </a:prstGeom>
-          <a:noFill/>
-          <a:ln>
-            <a:noFill/>
-          </a:ln>
-        </p:spPr>
-        <p:txBody>
-          <a:bodyPr spcFirstLastPara="1" wrap="square" lIns="91425" tIns="45700" rIns="91425" bIns="45700" anchor="t" anchorCtr="0">
-            <a:noAutofit/>
-          </a:bodyPr>
-          <a:lstStyle/>
-          <a:p>
-            <a:pPr>
-              <a:buClr>
-                <a:schemeClr val="dk1"/>
-              </a:buClr>
-              <a:buSzPts val="2400"/>
-            </a:pPr>
-            <a:r>
-              <a:rPr lang="en-US" sz="2400" dirty="0">
-                <a:solidFill>
-                  <a:schemeClr val="dk1"/>
-                </a:solidFill>
-                <a:latin typeface="Calibri"/>
-                <a:ea typeface="Calibri"/>
-                <a:cs typeface="Calibri"/>
-                <a:sym typeface="Calibri"/>
-              </a:rPr>
-              <a:t>Coding sequences</a:t>
-            </a:r>
-            <a:endParaRPr dirty="0"/>
-          </a:p>
-        </p:txBody>
-      </p:sp>
-      <p:sp>
-        <p:nvSpPr>
-          <p:cNvPr id="158" name="Google Shape;158;p21"/>
-          <p:cNvSpPr txBox="1"/>
-          <p:nvPr/>
-        </p:nvSpPr>
-        <p:spPr>
-          <a:xfrm>
-            <a:off x="5880100" y="5949951"/>
-            <a:ext cx="2813050" cy="460375"/>
-          </a:xfrm>
-          <a:prstGeom prst="rect">
-            <a:avLst/>
-          </a:prstGeom>
-          <a:noFill/>
-          <a:ln>
-            <a:noFill/>
-          </a:ln>
-        </p:spPr>
-        <p:txBody>
-          <a:bodyPr spcFirstLastPara="1" wrap="square" lIns="91425" tIns="45700" rIns="91425" bIns="45700" anchor="t" anchorCtr="0">
-            <a:noAutofit/>
-          </a:bodyPr>
-          <a:lstStyle/>
-          <a:p>
-            <a:pPr>
-              <a:buClr>
-                <a:schemeClr val="dk1"/>
-              </a:buClr>
-              <a:buSzPts val="2400"/>
-            </a:pPr>
-            <a:r>
-              <a:rPr lang="en-US" sz="2400">
-                <a:solidFill>
-                  <a:schemeClr val="dk1"/>
-                </a:solidFill>
-                <a:latin typeface="Calibri"/>
-                <a:ea typeface="Calibri"/>
-                <a:cs typeface="Calibri"/>
-                <a:sym typeface="Calibri"/>
-              </a:rPr>
-              <a:t>Regions of homology</a:t>
-            </a:r>
-            <a:endParaRPr/>
-          </a:p>
-        </p:txBody>
-      </p:sp>
-      <p:cxnSp>
-        <p:nvCxnSpPr>
-          <p:cNvPr id="159" name="Google Shape;159;p21"/>
-          <p:cNvCxnSpPr/>
-          <p:nvPr/>
-        </p:nvCxnSpPr>
-        <p:spPr>
-          <a:xfrm rot="10800000" flipH="1">
-            <a:off x="7286625" y="4221163"/>
-            <a:ext cx="538162" cy="1728787"/>
-          </a:xfrm>
-          <a:prstGeom prst="straightConnector1">
-            <a:avLst/>
-          </a:prstGeom>
-          <a:noFill/>
-          <a:ln w="25400" cap="flat" cmpd="sng">
-            <a:solidFill>
-              <a:srgbClr val="000000"/>
-            </a:solidFill>
-            <a:prstDash val="solid"/>
-            <a:miter lim="800000"/>
-            <a:headEnd type="none" w="med" len="med"/>
-            <a:tailEnd type="stealth" w="med" len="med"/>
-          </a:ln>
-          <a:effectLst>
-            <a:outerShdw blurRad="63500" dist="20000" dir="5400000">
-              <a:srgbClr val="808080">
-                <a:alpha val="37647"/>
-              </a:srgbClr>
-            </a:outerShdw>
-          </a:effectLst>
-        </p:spPr>
-      </p:cxnSp>
-      <p:cxnSp>
-        <p:nvCxnSpPr>
-          <p:cNvPr id="160" name="Google Shape;160;p21"/>
-          <p:cNvCxnSpPr/>
-          <p:nvPr/>
-        </p:nvCxnSpPr>
-        <p:spPr>
-          <a:xfrm rot="10800000">
-            <a:off x="9409113" y="4868862"/>
-            <a:ext cx="287337" cy="215900"/>
-          </a:xfrm>
-          <a:prstGeom prst="straightConnector1">
-            <a:avLst/>
-          </a:prstGeom>
-          <a:noFill/>
-          <a:ln w="25400" cap="flat" cmpd="sng">
-            <a:solidFill>
-              <a:srgbClr val="000000"/>
-            </a:solidFill>
-            <a:prstDash val="solid"/>
-            <a:miter lim="800000"/>
-            <a:headEnd type="none" w="med" len="med"/>
-            <a:tailEnd type="stealth" w="med" len="med"/>
-          </a:ln>
-          <a:effectLst>
-            <a:outerShdw blurRad="63500" dist="20000" dir="5400000">
-              <a:srgbClr val="808080">
-                <a:alpha val="37647"/>
-              </a:srgbClr>
-            </a:outerShdw>
-          </a:effectLst>
-        </p:spPr>
-      </p:cxnSp>
-      <p:cxnSp>
-        <p:nvCxnSpPr>
-          <p:cNvPr id="161" name="Google Shape;161;p21"/>
-          <p:cNvCxnSpPr/>
-          <p:nvPr/>
-        </p:nvCxnSpPr>
-        <p:spPr>
-          <a:xfrm flipH="1">
-            <a:off x="9409113" y="5084763"/>
-            <a:ext cx="287337" cy="288925"/>
-          </a:xfrm>
-          <a:prstGeom prst="straightConnector1">
-            <a:avLst/>
-          </a:prstGeom>
-          <a:noFill/>
-          <a:ln w="25400" cap="flat" cmpd="sng">
-            <a:solidFill>
-              <a:srgbClr val="000000"/>
-            </a:solidFill>
-            <a:prstDash val="solid"/>
-            <a:miter lim="800000"/>
-            <a:headEnd type="none" w="med" len="med"/>
-            <a:tailEnd type="stealth" w="med" len="med"/>
-          </a:ln>
-          <a:effectLst>
-            <a:outerShdw blurRad="63500" dist="20000" dir="5400000">
-              <a:srgbClr val="808080">
-                <a:alpha val="37647"/>
-              </a:srgbClr>
-            </a:outerShdw>
-          </a:effectLst>
-        </p:spPr>
-      </p:cxnSp>
-      <p:sp>
-        <p:nvSpPr>
-          <p:cNvPr id="162" name="Google Shape;162;p21"/>
-          <p:cNvSpPr txBox="1"/>
-          <p:nvPr/>
-        </p:nvSpPr>
-        <p:spPr>
-          <a:xfrm>
-            <a:off x="9767888" y="4868862"/>
-            <a:ext cx="2424112" cy="461962"/>
-          </a:xfrm>
-          <a:prstGeom prst="rect">
-            <a:avLst/>
-          </a:prstGeom>
-          <a:noFill/>
-          <a:ln>
-            <a:noFill/>
-          </a:ln>
-        </p:spPr>
-        <p:txBody>
-          <a:bodyPr spcFirstLastPara="1" wrap="square" lIns="91425" tIns="45700" rIns="91425" bIns="45700" anchor="t" anchorCtr="0">
-            <a:noAutofit/>
-          </a:bodyPr>
-          <a:lstStyle/>
-          <a:p>
-            <a:pPr>
-              <a:buClr>
-                <a:schemeClr val="dk1"/>
-              </a:buClr>
-              <a:buSzPts val="2400"/>
-            </a:pPr>
-            <a:r>
-              <a:rPr lang="en-US" sz="2400" dirty="0">
-                <a:solidFill>
-                  <a:schemeClr val="dk1"/>
-                </a:solidFill>
-                <a:latin typeface="Calibri"/>
-                <a:ea typeface="Calibri"/>
-                <a:cs typeface="Calibri"/>
-                <a:sym typeface="Calibri"/>
-              </a:rPr>
-              <a:t>6 Reading Frames</a:t>
-            </a:r>
-            <a:endParaRPr dirty="0"/>
-          </a:p>
-        </p:txBody>
-      </p:sp>
-      <p:cxnSp>
-        <p:nvCxnSpPr>
-          <p:cNvPr id="163" name="Google Shape;163;p21"/>
-          <p:cNvCxnSpPr/>
-          <p:nvPr/>
-        </p:nvCxnSpPr>
-        <p:spPr>
-          <a:xfrm rot="10800000">
-            <a:off x="9480551" y="2133600"/>
-            <a:ext cx="287337" cy="0"/>
-          </a:xfrm>
-          <a:prstGeom prst="straightConnector1">
-            <a:avLst/>
-          </a:prstGeom>
-          <a:noFill/>
-          <a:ln w="25400" cap="flat" cmpd="sng">
-            <a:solidFill>
-              <a:srgbClr val="000000"/>
-            </a:solidFill>
-            <a:prstDash val="solid"/>
-            <a:miter lim="800000"/>
-            <a:headEnd type="none" w="med" len="med"/>
-            <a:tailEnd type="stealth" w="med" len="med"/>
-          </a:ln>
-          <a:effectLst>
-            <a:outerShdw blurRad="63500" dist="20000" dir="5400000">
-              <a:srgbClr val="808080">
-                <a:alpha val="37647"/>
-              </a:srgbClr>
-            </a:outerShdw>
-          </a:effectLst>
-        </p:spPr>
-      </p:cxnSp>
-      <p:sp>
-        <p:nvSpPr>
-          <p:cNvPr id="164" name="Google Shape;164;p21"/>
-          <p:cNvSpPr txBox="1"/>
-          <p:nvPr/>
-        </p:nvSpPr>
-        <p:spPr>
-          <a:xfrm>
-            <a:off x="9840912" y="1916112"/>
-            <a:ext cx="508000" cy="461962"/>
-          </a:xfrm>
-          <a:prstGeom prst="rect">
-            <a:avLst/>
-          </a:prstGeom>
-          <a:noFill/>
-          <a:ln>
-            <a:noFill/>
-          </a:ln>
-        </p:spPr>
-        <p:txBody>
-          <a:bodyPr spcFirstLastPara="1" wrap="square" lIns="91425" tIns="45700" rIns="91425" bIns="45700" anchor="t" anchorCtr="0">
-            <a:noAutofit/>
-          </a:bodyPr>
-          <a:lstStyle/>
-          <a:p>
-            <a:pPr>
-              <a:buClr>
-                <a:schemeClr val="dk1"/>
-              </a:buClr>
-              <a:buSzPts val="2400"/>
-            </a:pPr>
-            <a:r>
-              <a:rPr lang="en-US" sz="2400">
-                <a:solidFill>
-                  <a:schemeClr val="dk1"/>
-                </a:solidFill>
-                <a:latin typeface="Calibri"/>
-                <a:ea typeface="Calibri"/>
-                <a:cs typeface="Calibri"/>
-                <a:sym typeface="Calibri"/>
-              </a:rPr>
-              <a:t>bp</a:t>
-            </a:r>
-            <a:endParaRPr/>
-          </a:p>
-        </p:txBody>
-      </p:sp>
-      <p:cxnSp>
-        <p:nvCxnSpPr>
-          <p:cNvPr id="165" name="Google Shape;165;p21"/>
-          <p:cNvCxnSpPr/>
-          <p:nvPr/>
-        </p:nvCxnSpPr>
-        <p:spPr>
-          <a:xfrm flipH="1">
-            <a:off x="8256587" y="1412876"/>
-            <a:ext cx="360362" cy="287337"/>
-          </a:xfrm>
-          <a:prstGeom prst="straightConnector1">
-            <a:avLst/>
-          </a:prstGeom>
-          <a:noFill/>
-          <a:ln w="25400" cap="flat" cmpd="sng">
-            <a:solidFill>
-              <a:srgbClr val="000000"/>
-            </a:solidFill>
-            <a:prstDash val="solid"/>
-            <a:miter lim="800000"/>
-            <a:headEnd type="none" w="med" len="med"/>
-            <a:tailEnd type="stealth" w="med" len="med"/>
-          </a:ln>
-          <a:effectLst>
-            <a:outerShdw blurRad="63500" dist="20000" dir="5400000">
-              <a:srgbClr val="808080">
-                <a:alpha val="37647"/>
-              </a:srgbClr>
-            </a:outerShdw>
-          </a:effectLst>
-        </p:spPr>
-      </p:cxnSp>
-      <p:sp>
-        <p:nvSpPr>
-          <p:cNvPr id="166" name="Google Shape;166;p21"/>
-          <p:cNvSpPr txBox="1"/>
-          <p:nvPr/>
-        </p:nvSpPr>
-        <p:spPr>
-          <a:xfrm>
-            <a:off x="8694738" y="1166812"/>
-            <a:ext cx="1792287" cy="461962"/>
-          </a:xfrm>
-          <a:prstGeom prst="rect">
-            <a:avLst/>
-          </a:prstGeom>
-          <a:noFill/>
-          <a:ln>
-            <a:noFill/>
-          </a:ln>
-        </p:spPr>
-        <p:txBody>
-          <a:bodyPr spcFirstLastPara="1" wrap="square" lIns="91425" tIns="45700" rIns="91425" bIns="45700" anchor="t" anchorCtr="0">
-            <a:noAutofit/>
-          </a:bodyPr>
-          <a:lstStyle/>
-          <a:p>
-            <a:pPr>
-              <a:buClr>
-                <a:schemeClr val="dk1"/>
-              </a:buClr>
-              <a:buSzPts val="2400"/>
-            </a:pPr>
-            <a:r>
-              <a:rPr lang="en-US" sz="2400" dirty="0">
-                <a:solidFill>
-                  <a:schemeClr val="dk1"/>
-                </a:solidFill>
-                <a:latin typeface="Calibri"/>
-                <a:ea typeface="Calibri"/>
-                <a:cs typeface="Calibri"/>
-                <a:sym typeface="Calibri"/>
-              </a:rPr>
-              <a:t>Stop codons</a:t>
-            </a:r>
-            <a:endParaRPr dirty="0"/>
-          </a:p>
-        </p:txBody>
-      </p:sp>
-      <p:sp>
-        <p:nvSpPr>
-          <p:cNvPr id="20" name="Google Shape;110;p15">
-            <a:extLst>
-              <a:ext uri="{FF2B5EF4-FFF2-40B4-BE49-F238E27FC236}">
-                <a16:creationId xmlns:a16="http://schemas.microsoft.com/office/drawing/2014/main" id="{A220E298-DA04-1442-B384-4D8F70632DC7}"/>
-              </a:ext>
-            </a:extLst>
-          </p:cNvPr>
-          <p:cNvSpPr txBox="1"/>
-          <p:nvPr/>
-        </p:nvSpPr>
-        <p:spPr>
-          <a:xfrm>
-            <a:off x="0" y="0"/>
-            <a:ext cx="12192000" cy="1143000"/>
-          </a:xfrm>
-          <a:prstGeom prst="rect">
-            <a:avLst/>
-          </a:prstGeom>
-          <a:noFill/>
-          <a:ln>
-            <a:noFill/>
-          </a:ln>
-        </p:spPr>
-        <p:txBody>
-          <a:bodyPr spcFirstLastPara="1" wrap="square" lIns="91425" tIns="45700" rIns="91425" bIns="45700" anchor="ctr" anchorCtr="0">
-            <a:noAutofit/>
-          </a:bodyPr>
-          <a:lstStyle/>
-          <a:p>
-            <a:pPr>
-              <a:buClr>
-                <a:schemeClr val="dk2"/>
-              </a:buClr>
-              <a:buSzPts val="4400"/>
-            </a:pPr>
-            <a:r>
-              <a:rPr lang="en-US" sz="3600" dirty="0">
-                <a:latin typeface="Calibri"/>
-                <a:ea typeface="Calibri"/>
-                <a:cs typeface="Calibri"/>
-                <a:sym typeface="Calibri"/>
-              </a:rPr>
-              <a:t>    Basic setup of an ACT session</a:t>
-            </a:r>
-            <a:endParaRPr sz="3600" dirty="0"/>
-          </a:p>
-        </p:txBody>
-      </p:sp>
-    </p:spTree>
-    <p:extLst>
-      <p:ext uri="{BB962C8B-B14F-4D97-AF65-F5344CB8AC3E}">
-        <p14:creationId xmlns:p14="http://schemas.microsoft.com/office/powerpoint/2010/main" val="348423738"/>
-      </p:ext>
-    </p:extLst>
-  </p:cSld>
-  <p:clrMapOvr>
-    <a:masterClrMapping/>
-  </p:clrMapOvr>
-</p:sld>
-</file>
-
-<file path=ppt/slides/slide12.xml><?xml version="1.0" encoding="utf-8"?>
 <p:sld xmlns:a="http://schemas.openxmlformats.org/drawingml/2006/main" xmlns:r="http://schemas.openxmlformats.org/officeDocument/2006/relationships" xmlns:p="http://schemas.openxmlformats.org/presentationml/2006/main">
   <p:cSld>
     <p:spTree>
@@ -15798,7 +14594,7 @@
 </p:sld>
 </file>
 
-<file path=ppt/slides/slide13.xml><?xml version="1.0" encoding="utf-8"?>
+<file path=ppt/slides/slide11.xml><?xml version="1.0" encoding="utf-8"?>
 <p:sld xmlns:a="http://schemas.openxmlformats.org/drawingml/2006/main" xmlns:r="http://schemas.openxmlformats.org/officeDocument/2006/relationships" xmlns:p="http://schemas.openxmlformats.org/presentationml/2006/main">
   <p:cSld>
     <p:spTree>
@@ -17251,7 +16047,7 @@
 </p:sld>
 </file>
 
-<file path=ppt/slides/slide14.xml><?xml version="1.0" encoding="utf-8"?>
+<file path=ppt/slides/slide12.xml><?xml version="1.0" encoding="utf-8"?>
 <p:sld xmlns:a="http://schemas.openxmlformats.org/drawingml/2006/main" xmlns:r="http://schemas.openxmlformats.org/officeDocument/2006/relationships" xmlns:p="http://schemas.openxmlformats.org/presentationml/2006/main">
   <p:cSld>
     <p:spTree>
@@ -18753,7 +17549,7 @@
 </p:sld>
 </file>
 
-<file path=ppt/slides/slide15.xml><?xml version="1.0" encoding="utf-8"?>
+<file path=ppt/slides/slide13.xml><?xml version="1.0" encoding="utf-8"?>
 <p:sld xmlns:a="http://schemas.openxmlformats.org/drawingml/2006/main" xmlns:r="http://schemas.openxmlformats.org/officeDocument/2006/relationships" xmlns:p="http://schemas.openxmlformats.org/presentationml/2006/main">
   <p:cSld>
     <p:spTree>
@@ -19122,7 +17918,7 @@
 </p:sld>
 </file>
 
-<file path=ppt/slides/slide16.xml><?xml version="1.0" encoding="utf-8"?>
+<file path=ppt/slides/slide14.xml><?xml version="1.0" encoding="utf-8"?>
 <p:sld xmlns:a="http://schemas.openxmlformats.org/drawingml/2006/main" xmlns:r="http://schemas.openxmlformats.org/officeDocument/2006/relationships" xmlns:p="http://schemas.openxmlformats.org/presentationml/2006/main">
   <p:cSld>
     <p:spTree>
@@ -19432,7 +18228,7 @@
 </p:sld>
 </file>
 
-<file path=ppt/slides/slide17.xml><?xml version="1.0" encoding="utf-8"?>
+<file path=ppt/slides/slide15.xml><?xml version="1.0" encoding="utf-8"?>
 <p:sld xmlns:a="http://schemas.openxmlformats.org/drawingml/2006/main" xmlns:r="http://schemas.openxmlformats.org/officeDocument/2006/relationships" xmlns:p="http://schemas.openxmlformats.org/presentationml/2006/main">
   <p:cSld>
     <p:spTree>
@@ -19731,7 +18527,7 @@
 </p:sld>
 </file>
 
-<file path=ppt/slides/slide18.xml><?xml version="1.0" encoding="utf-8"?>
+<file path=ppt/slides/slide16.xml><?xml version="1.0" encoding="utf-8"?>
 <p:sld xmlns:a="http://schemas.openxmlformats.org/drawingml/2006/main" xmlns:r="http://schemas.openxmlformats.org/officeDocument/2006/relationships" xmlns:p="http://schemas.openxmlformats.org/presentationml/2006/main">
   <p:cSld>
     <p:spTree>
@@ -20238,7 +19034,7 @@
 </p:sld>
 </file>
 
-<file path=ppt/slides/slide19.xml><?xml version="1.0" encoding="utf-8"?>
+<file path=ppt/slides/slide17.xml><?xml version="1.0" encoding="utf-8"?>
 <p:sld xmlns:a="http://schemas.openxmlformats.org/drawingml/2006/main" xmlns:r="http://schemas.openxmlformats.org/officeDocument/2006/relationships" xmlns:p="http://schemas.openxmlformats.org/presentationml/2006/main">
   <p:cSld>
     <p:spTree>
@@ -20546,167 +19342,7 @@
 </p:sld>
 </file>
 
-<file path=ppt/slides/slide2.xml><?xml version="1.0" encoding="utf-8"?>
-<p:sld xmlns:a="http://schemas.openxmlformats.org/drawingml/2006/main" xmlns:r="http://schemas.openxmlformats.org/officeDocument/2006/relationships" xmlns:p="http://schemas.openxmlformats.org/presentationml/2006/main">
-  <p:cSld>
-    <p:spTree>
-      <p:nvGrpSpPr>
-        <p:cNvPr id="1" name=""/>
-        <p:cNvGrpSpPr/>
-        <p:nvPr/>
-      </p:nvGrpSpPr>
-      <p:grpSpPr>
-        <a:xfrm>
-          <a:off x="0" y="0"/>
-          <a:ext cx="0" cy="0"/>
-          <a:chOff x="0" y="0"/>
-          <a:chExt cx="0" cy="0"/>
-        </a:xfrm>
-      </p:grpSpPr>
-      <p:sp>
-        <p:nvSpPr>
-          <p:cNvPr id="2" name="Title 1">
-            <a:extLst>
-              <a:ext uri="{FF2B5EF4-FFF2-40B4-BE49-F238E27FC236}">
-                <a16:creationId xmlns:a16="http://schemas.microsoft.com/office/drawing/2014/main" id="{D1004C26-7669-6B4D-8AB4-9275DF45418B}"/>
-              </a:ext>
-            </a:extLst>
-          </p:cNvPr>
-          <p:cNvSpPr>
-            <a:spLocks noGrp="1"/>
-          </p:cNvSpPr>
-          <p:nvPr>
-            <p:ph type="title"/>
-          </p:nvPr>
-        </p:nvSpPr>
-        <p:spPr/>
-        <p:txBody>
-          <a:bodyPr/>
-          <a:lstStyle/>
-          <a:p>
-            <a:r>
-              <a:rPr lang="en-US" dirty="0"/>
-              <a:t>Program</a:t>
-            </a:r>
-          </a:p>
-        </p:txBody>
-      </p:sp>
-      <p:sp>
-        <p:nvSpPr>
-          <p:cNvPr id="3" name="Text Placeholder 2">
-            <a:extLst>
-              <a:ext uri="{FF2B5EF4-FFF2-40B4-BE49-F238E27FC236}">
-                <a16:creationId xmlns:a16="http://schemas.microsoft.com/office/drawing/2014/main" id="{F7162B2E-D44E-5148-A2FE-8E40F476D7C6}"/>
-              </a:ext>
-            </a:extLst>
-          </p:cNvPr>
-          <p:cNvSpPr>
-            <a:spLocks noGrp="1"/>
-          </p:cNvSpPr>
-          <p:nvPr>
-            <p:ph type="body" idx="1"/>
-          </p:nvPr>
-        </p:nvSpPr>
-        <p:spPr>
-          <a:xfrm>
-            <a:off x="838200" y="1690688"/>
-            <a:ext cx="10515600" cy="4486275"/>
-          </a:xfrm>
-        </p:spPr>
-        <p:txBody>
-          <a:bodyPr/>
-          <a:lstStyle/>
-          <a:p>
-            <a:r>
-              <a:rPr lang="en-US" dirty="0"/>
-              <a:t>Manual, individual presentations</a:t>
-            </a:r>
-          </a:p>
-          <a:p>
-            <a:pPr lvl="1"/>
-            <a:r>
-              <a:rPr lang="en-US" dirty="0">
-                <a:hlinkClick r:id="rId2"/>
-              </a:rPr>
-              <a:t>https://stephenrdoyle.github.io/LSHTM_ParasiteGenomics/</a:t>
-            </a:r>
-            <a:r>
-              <a:rPr lang="en-US" dirty="0"/>
-              <a:t> </a:t>
-            </a:r>
-          </a:p>
-          <a:p>
-            <a:endParaRPr lang="en-US" dirty="0"/>
-          </a:p>
-          <a:p>
-            <a:r>
-              <a:rPr lang="en-US" dirty="0"/>
-              <a:t>Day 1</a:t>
-            </a:r>
-          </a:p>
-          <a:p>
-            <a:pPr lvl="1"/>
-            <a:r>
-              <a:rPr lang="en-US" dirty="0"/>
-              <a:t>Module 1: Artemis</a:t>
-            </a:r>
-          </a:p>
-          <a:p>
-            <a:pPr lvl="1"/>
-            <a:r>
-              <a:rPr lang="en-US" dirty="0"/>
-              <a:t>Module 2: Short read mapping</a:t>
-            </a:r>
-          </a:p>
-          <a:p>
-            <a:pPr lvl="1"/>
-            <a:endParaRPr lang="en-US" dirty="0"/>
-          </a:p>
-          <a:p>
-            <a:r>
-              <a:rPr lang="en-US" b="1" dirty="0"/>
-              <a:t>Day 2</a:t>
-            </a:r>
-          </a:p>
-          <a:p>
-            <a:pPr lvl="1"/>
-            <a:r>
-              <a:rPr lang="en-US" b="1" dirty="0"/>
-              <a:t>Module 3: Comparative genomics</a:t>
-            </a:r>
-          </a:p>
-          <a:p>
-            <a:pPr lvl="1"/>
-            <a:r>
-              <a:rPr lang="en-US" b="1" dirty="0"/>
-              <a:t>Module 4: Transcriptome analysis - </a:t>
-            </a:r>
-            <a:r>
-              <a:rPr lang="en-US" b="1" dirty="0" err="1"/>
-              <a:t>RNAseq</a:t>
-            </a:r>
-            <a:endParaRPr lang="en-US" b="1" dirty="0"/>
-          </a:p>
-          <a:p>
-            <a:pPr lvl="1"/>
-            <a:endParaRPr lang="en-US" dirty="0"/>
-          </a:p>
-        </p:txBody>
-      </p:sp>
-    </p:spTree>
-    <p:extLst>
-      <p:ext uri="{BB962C8B-B14F-4D97-AF65-F5344CB8AC3E}">
-        <p14:creationId xmlns:p14="http://schemas.microsoft.com/office/powerpoint/2010/main" val="3524206945"/>
-      </p:ext>
-    </p:extLst>
-  </p:cSld>
-  <p:clrMapOvr>
-    <a:masterClrMapping/>
-  </p:clrMapOvr>
-</p:sld>
-</file>
-
-<file path=ppt/slides/slide20.xml><?xml version="1.0" encoding="utf-8"?>
+<file path=ppt/slides/slide18.xml><?xml version="1.0" encoding="utf-8"?>
 <p:sld xmlns:a="http://schemas.openxmlformats.org/drawingml/2006/main" xmlns:r="http://schemas.openxmlformats.org/officeDocument/2006/relationships" xmlns:p="http://schemas.openxmlformats.org/presentationml/2006/main">
   <p:cSld>
     <p:spTree>
@@ -22711,7 +21347,7 @@
 </p:sld>
 </file>
 
-<file path=ppt/slides/slide21.xml><?xml version="1.0" encoding="utf-8"?>
+<file path=ppt/slides/slide19.xml><?xml version="1.0" encoding="utf-8"?>
 <p:sld xmlns:a="http://schemas.openxmlformats.org/drawingml/2006/main" xmlns:r="http://schemas.openxmlformats.org/officeDocument/2006/relationships" xmlns:p="http://schemas.openxmlformats.org/presentationml/2006/main">
   <p:cSld>
     <p:spTree>
@@ -23182,7 +21818,441 @@
 </p:sld>
 </file>
 
-<file path=ppt/slides/slide22.xml><?xml version="1.0" encoding="utf-8"?>
+<file path=ppt/slides/slide2.xml><?xml version="1.0" encoding="utf-8"?>
+<p:sld xmlns:a="http://schemas.openxmlformats.org/drawingml/2006/main" xmlns:r="http://schemas.openxmlformats.org/officeDocument/2006/relationships" xmlns:p="http://schemas.openxmlformats.org/presentationml/2006/main">
+  <p:cSld>
+    <p:spTree>
+      <p:nvGrpSpPr>
+        <p:cNvPr id="1" name="Shape 98"/>
+        <p:cNvGrpSpPr/>
+        <p:nvPr/>
+      </p:nvGrpSpPr>
+      <p:grpSpPr>
+        <a:xfrm>
+          <a:off x="0" y="0"/>
+          <a:ext cx="0" cy="0"/>
+          <a:chOff x="0" y="0"/>
+          <a:chExt cx="0" cy="0"/>
+        </a:xfrm>
+      </p:grpSpPr>
+      <p:sp>
+        <p:nvSpPr>
+          <p:cNvPr id="100" name="Google Shape;100;p14"/>
+          <p:cNvSpPr txBox="1">
+            <a:spLocks noGrp="1"/>
+          </p:cNvSpPr>
+          <p:nvPr>
+            <p:ph type="body" idx="1"/>
+          </p:nvPr>
+        </p:nvSpPr>
+        <p:spPr>
+          <a:xfrm>
+            <a:off x="921880" y="1110328"/>
+            <a:ext cx="10345064" cy="5401007"/>
+          </a:xfrm>
+          <a:prstGeom prst="rect">
+            <a:avLst/>
+          </a:prstGeom>
+          <a:noFill/>
+          <a:ln>
+            <a:noFill/>
+          </a:ln>
+        </p:spPr>
+        <p:txBody>
+          <a:bodyPr spcFirstLastPara="1" vert="horz" wrap="square" lIns="91425" tIns="45700" rIns="91425" bIns="45700" rtlCol="0" anchor="t" anchorCtr="0">
+            <a:noAutofit/>
+          </a:bodyPr>
+          <a:lstStyle/>
+          <a:p>
+            <a:pPr marL="342900" indent="-342900">
+              <a:lnSpc>
+                <a:spcPct val="100000"/>
+              </a:lnSpc>
+              <a:spcBef>
+                <a:spcPts val="0"/>
+              </a:spcBef>
+              <a:buClr>
+                <a:schemeClr val="dk1"/>
+              </a:buClr>
+              <a:buSzPts val="2800"/>
+              <a:buFont typeface="Calibri"/>
+              <a:buChar char="•"/>
+            </a:pPr>
+            <a:r>
+              <a:rPr lang="en-US" sz="2400" dirty="0">
+                <a:solidFill>
+                  <a:schemeClr val="dk1"/>
+                </a:solidFill>
+                <a:latin typeface="Calibri"/>
+                <a:ea typeface="Calibri"/>
+                <a:cs typeface="Calibri"/>
+                <a:sym typeface="Calibri"/>
+              </a:rPr>
+              <a:t>Previously worked on individual genomes from a </a:t>
+            </a:r>
+            <a:r>
+              <a:rPr lang="en-US" sz="2400" dirty="0">
+                <a:solidFill>
+                  <a:schemeClr val="dk1"/>
+                </a:solidFill>
+                <a:ea typeface="Calibri"/>
+                <a:cs typeface="Calibri"/>
+                <a:sym typeface="Calibri"/>
+              </a:rPr>
+              <a:t>species - can teach us a lot about species biology</a:t>
+            </a:r>
+            <a:endParaRPr lang="en-US" sz="2400" dirty="0">
+              <a:solidFill>
+                <a:schemeClr val="dk1"/>
+              </a:solidFill>
+              <a:latin typeface="Calibri"/>
+              <a:ea typeface="Calibri"/>
+              <a:cs typeface="Calibri"/>
+              <a:sym typeface="Calibri"/>
+            </a:endParaRPr>
+          </a:p>
+          <a:p>
+            <a:pPr marL="342900" indent="-342900">
+              <a:lnSpc>
+                <a:spcPct val="100000"/>
+              </a:lnSpc>
+              <a:spcBef>
+                <a:spcPts val="0"/>
+              </a:spcBef>
+              <a:buClr>
+                <a:schemeClr val="dk1"/>
+              </a:buClr>
+              <a:buSzPts val="2800"/>
+              <a:buFont typeface="Calibri"/>
+              <a:buChar char="•"/>
+            </a:pPr>
+            <a:endParaRPr lang="en-US" sz="2400" dirty="0">
+              <a:latin typeface="Calibri"/>
+              <a:ea typeface="Calibri"/>
+              <a:cs typeface="Calibri"/>
+              <a:sym typeface="Calibri"/>
+            </a:endParaRPr>
+          </a:p>
+          <a:p>
+            <a:pPr marL="342900" indent="-342900">
+              <a:lnSpc>
+                <a:spcPct val="100000"/>
+              </a:lnSpc>
+              <a:spcBef>
+                <a:spcPts val="0"/>
+              </a:spcBef>
+              <a:buClr>
+                <a:schemeClr val="dk1"/>
+              </a:buClr>
+              <a:buSzPts val="2800"/>
+              <a:buFont typeface="Calibri"/>
+              <a:buChar char="•"/>
+            </a:pPr>
+            <a:r>
+              <a:rPr lang="en-US" sz="2400" dirty="0">
+                <a:solidFill>
+                  <a:schemeClr val="dk1"/>
+                </a:solidFill>
+                <a:latin typeface="Calibri"/>
+                <a:ea typeface="Calibri"/>
+                <a:cs typeface="Calibri"/>
+                <a:sym typeface="Calibri"/>
+              </a:rPr>
+              <a:t>We can learn more by </a:t>
+            </a:r>
+            <a:r>
+              <a:rPr lang="en-US" sz="2400" dirty="0" err="1">
+                <a:solidFill>
+                  <a:schemeClr val="dk1"/>
+                </a:solidFill>
+                <a:latin typeface="Calibri"/>
+                <a:ea typeface="Calibri"/>
+                <a:cs typeface="Calibri"/>
+                <a:sym typeface="Calibri"/>
+              </a:rPr>
+              <a:t>analysing</a:t>
+            </a:r>
+            <a:r>
+              <a:rPr lang="en-US" sz="2400" dirty="0">
+                <a:solidFill>
+                  <a:schemeClr val="dk1"/>
+                </a:solidFill>
+                <a:latin typeface="Calibri"/>
+                <a:ea typeface="Calibri"/>
+                <a:cs typeface="Calibri"/>
+                <a:sym typeface="Calibri"/>
+              </a:rPr>
+              <a:t> complete (or large parts of) genomes from within and/or between species</a:t>
+            </a:r>
+            <a:endParaRPr sz="2400" dirty="0"/>
+          </a:p>
+          <a:p>
+            <a:pPr marL="342900" indent="-165100">
+              <a:lnSpc>
+                <a:spcPct val="100000"/>
+              </a:lnSpc>
+              <a:spcBef>
+                <a:spcPts val="560"/>
+              </a:spcBef>
+              <a:buClr>
+                <a:schemeClr val="dk1"/>
+              </a:buClr>
+              <a:buSzPts val="2800"/>
+              <a:buNone/>
+            </a:pPr>
+            <a:endParaRPr sz="2400" dirty="0">
+              <a:solidFill>
+                <a:schemeClr val="dk1"/>
+              </a:solidFill>
+              <a:latin typeface="Calibri"/>
+              <a:ea typeface="Calibri"/>
+              <a:cs typeface="Calibri"/>
+              <a:sym typeface="Calibri"/>
+            </a:endParaRPr>
+          </a:p>
+          <a:p>
+            <a:pPr marL="342900" indent="-342900">
+              <a:lnSpc>
+                <a:spcPct val="100000"/>
+              </a:lnSpc>
+              <a:spcBef>
+                <a:spcPts val="560"/>
+              </a:spcBef>
+              <a:buClr>
+                <a:schemeClr val="dk1"/>
+              </a:buClr>
+              <a:buSzPts val="2800"/>
+              <a:buFont typeface="Calibri"/>
+              <a:buChar char="•"/>
+            </a:pPr>
+            <a:r>
+              <a:rPr lang="en-US" sz="2400" dirty="0">
+                <a:solidFill>
+                  <a:schemeClr val="dk1"/>
+                </a:solidFill>
+                <a:latin typeface="Calibri"/>
+                <a:ea typeface="Calibri"/>
+                <a:cs typeface="Calibri"/>
+                <a:sym typeface="Calibri"/>
+              </a:rPr>
+              <a:t>Identification of similarities and differences between organisms can tell us about:</a:t>
+            </a:r>
+            <a:endParaRPr sz="2400" dirty="0"/>
+          </a:p>
+          <a:p>
+            <a:pPr marL="742950" lvl="1" indent="-285750">
+              <a:lnSpc>
+                <a:spcPct val="100000"/>
+              </a:lnSpc>
+              <a:spcBef>
+                <a:spcPts val="480"/>
+              </a:spcBef>
+              <a:buClr>
+                <a:schemeClr val="dk1"/>
+              </a:buClr>
+              <a:buSzPts val="2400"/>
+              <a:buFont typeface="Calibri"/>
+              <a:buChar char="–"/>
+            </a:pPr>
+            <a:r>
+              <a:rPr lang="en-US" sz="2000" dirty="0">
+                <a:solidFill>
+                  <a:schemeClr val="dk1"/>
+                </a:solidFill>
+                <a:latin typeface="Calibri"/>
+                <a:ea typeface="Calibri"/>
+                <a:cs typeface="Calibri"/>
+                <a:sym typeface="Calibri"/>
+              </a:rPr>
+              <a:t>Core functions</a:t>
+            </a:r>
+            <a:endParaRPr sz="2000" dirty="0">
+              <a:solidFill>
+                <a:schemeClr val="dk1"/>
+              </a:solidFill>
+              <a:latin typeface="Calibri"/>
+              <a:ea typeface="Calibri"/>
+              <a:cs typeface="Calibri"/>
+              <a:sym typeface="Calibri"/>
+            </a:endParaRPr>
+          </a:p>
+          <a:p>
+            <a:pPr marL="742950" lvl="1" indent="-285750">
+              <a:lnSpc>
+                <a:spcPct val="100000"/>
+              </a:lnSpc>
+              <a:spcBef>
+                <a:spcPts val="480"/>
+              </a:spcBef>
+              <a:buClr>
+                <a:schemeClr val="dk1"/>
+              </a:buClr>
+              <a:buSzPts val="2400"/>
+              <a:buFont typeface="Calibri"/>
+              <a:buChar char="–"/>
+            </a:pPr>
+            <a:r>
+              <a:rPr lang="en-US" sz="2000" dirty="0">
+                <a:solidFill>
+                  <a:schemeClr val="dk1"/>
+                </a:solidFill>
+                <a:latin typeface="Calibri"/>
+                <a:ea typeface="Calibri"/>
+                <a:cs typeface="Calibri"/>
+                <a:sym typeface="Calibri"/>
+              </a:rPr>
+              <a:t>Evolutionary history</a:t>
+            </a:r>
+            <a:endParaRPr sz="2000" dirty="0"/>
+          </a:p>
+          <a:p>
+            <a:pPr marL="742950" lvl="1" indent="-285750">
+              <a:lnSpc>
+                <a:spcPct val="100000"/>
+              </a:lnSpc>
+              <a:spcBef>
+                <a:spcPts val="480"/>
+              </a:spcBef>
+              <a:buClr>
+                <a:schemeClr val="dk1"/>
+              </a:buClr>
+              <a:buSzPts val="2400"/>
+              <a:buFont typeface="Calibri"/>
+              <a:buChar char="–"/>
+            </a:pPr>
+            <a:r>
+              <a:rPr lang="en-US" sz="2000" dirty="0">
+                <a:solidFill>
+                  <a:schemeClr val="dk1"/>
+                </a:solidFill>
+                <a:latin typeface="Calibri"/>
+                <a:ea typeface="Calibri"/>
+                <a:cs typeface="Calibri"/>
+                <a:sym typeface="Calibri"/>
+              </a:rPr>
+              <a:t>Adaptation</a:t>
+            </a:r>
+            <a:r>
+              <a:rPr lang="en-US" sz="2000" dirty="0">
+                <a:latin typeface="Calibri"/>
+                <a:ea typeface="Calibri"/>
+                <a:cs typeface="Calibri"/>
+                <a:sym typeface="Calibri"/>
+              </a:rPr>
+              <a:t> (for ex. Infectivity and virulence, alternative metabolic pathways, etc. )</a:t>
+            </a:r>
+          </a:p>
+          <a:p>
+            <a:pPr marL="742950" lvl="1" indent="-285750">
+              <a:lnSpc>
+                <a:spcPct val="100000"/>
+              </a:lnSpc>
+              <a:spcBef>
+                <a:spcPts val="480"/>
+              </a:spcBef>
+              <a:buClr>
+                <a:schemeClr val="dk1"/>
+              </a:buClr>
+              <a:buSzPts val="2400"/>
+              <a:buFont typeface="Calibri"/>
+              <a:buChar char="–"/>
+            </a:pPr>
+            <a:endParaRPr lang="en-US" dirty="0">
+              <a:latin typeface="Calibri"/>
+              <a:ea typeface="Calibri"/>
+              <a:cs typeface="Calibri"/>
+              <a:sym typeface="Calibri"/>
+            </a:endParaRPr>
+          </a:p>
+          <a:p>
+            <a:pPr>
+              <a:lnSpc>
+                <a:spcPct val="100000"/>
+              </a:lnSpc>
+              <a:spcBef>
+                <a:spcPts val="480"/>
+              </a:spcBef>
+              <a:buClr>
+                <a:schemeClr val="dk1"/>
+              </a:buClr>
+              <a:buSzPts val="2400"/>
+            </a:pPr>
+            <a:r>
+              <a:rPr lang="en-US" sz="2400" dirty="0">
+                <a:latin typeface="Calibri"/>
+                <a:ea typeface="Calibri"/>
+                <a:cs typeface="Calibri"/>
+                <a:sym typeface="Calibri"/>
+              </a:rPr>
+              <a:t>Particularly useful with increasing size of genomic datasets</a:t>
+            </a:r>
+          </a:p>
+        </p:txBody>
+      </p:sp>
+      <p:sp>
+        <p:nvSpPr>
+          <p:cNvPr id="6" name="Google Shape;110;p15">
+            <a:extLst>
+              <a:ext uri="{FF2B5EF4-FFF2-40B4-BE49-F238E27FC236}">
+                <a16:creationId xmlns:a16="http://schemas.microsoft.com/office/drawing/2014/main" id="{C617A160-6643-4349-82F6-B83AF4CA04B9}"/>
+              </a:ext>
+            </a:extLst>
+          </p:cNvPr>
+          <p:cNvSpPr txBox="1"/>
+          <p:nvPr/>
+        </p:nvSpPr>
+        <p:spPr>
+          <a:xfrm>
+            <a:off x="0" y="0"/>
+            <a:ext cx="12192000" cy="1143000"/>
+          </a:xfrm>
+          <a:prstGeom prst="rect">
+            <a:avLst/>
+          </a:prstGeom>
+          <a:noFill/>
+          <a:ln>
+            <a:noFill/>
+          </a:ln>
+        </p:spPr>
+        <p:txBody>
+          <a:bodyPr spcFirstLastPara="1" wrap="square" lIns="91425" tIns="45700" rIns="91425" bIns="45700" anchor="ctr" anchorCtr="0">
+            <a:noAutofit/>
+          </a:bodyPr>
+          <a:lstStyle/>
+          <a:p>
+            <a:pPr>
+              <a:buClr>
+                <a:schemeClr val="dk2"/>
+              </a:buClr>
+              <a:buSzPts val="4400"/>
+            </a:pPr>
+            <a:r>
+              <a:rPr lang="en-US" sz="3600" dirty="0">
+                <a:latin typeface="Calibri"/>
+                <a:ea typeface="Calibri"/>
+                <a:cs typeface="Calibri"/>
+                <a:sym typeface="Calibri"/>
+              </a:rPr>
+              <a:t>    Comparative Genomics</a:t>
+            </a:r>
+            <a:endParaRPr sz="3600" dirty="0"/>
+          </a:p>
+        </p:txBody>
+      </p:sp>
+    </p:spTree>
+    <p:extLst>
+      <p:ext uri="{BB962C8B-B14F-4D97-AF65-F5344CB8AC3E}">
+        <p14:creationId xmlns:p14="http://schemas.microsoft.com/office/powerpoint/2010/main" val="1902413972"/>
+      </p:ext>
+    </p:extLst>
+  </p:cSld>
+  <p:clrMapOvr>
+    <a:masterClrMapping/>
+  </p:clrMapOvr>
+</p:sld>
+</file>
+
+<file path=ppt/slides/slide20.xml><?xml version="1.0" encoding="utf-8"?>
 <p:sld xmlns:a="http://schemas.openxmlformats.org/drawingml/2006/main" xmlns:r="http://schemas.openxmlformats.org/officeDocument/2006/relationships" xmlns:p="http://schemas.openxmlformats.org/presentationml/2006/main">
   <p:cSld>
     <p:spTree>
@@ -23339,7 +22409,7 @@
 </p:sld>
 </file>
 
-<file path=ppt/slides/slide23.xml><?xml version="1.0" encoding="utf-8"?>
+<file path=ppt/slides/slide21.xml><?xml version="1.0" encoding="utf-8"?>
 <p:sld xmlns:a="http://schemas.openxmlformats.org/drawingml/2006/main" xmlns:r="http://schemas.openxmlformats.org/officeDocument/2006/relationships" xmlns:p="http://schemas.openxmlformats.org/presentationml/2006/main">
   <p:cSld>
     <p:spTree>
@@ -23493,7 +22563,7 @@
 </p:sld>
 </file>
 
-<file path=ppt/slides/slide24.xml><?xml version="1.0" encoding="utf-8"?>
+<file path=ppt/slides/slide22.xml><?xml version="1.0" encoding="utf-8"?>
 <p:sld xmlns:a="http://schemas.openxmlformats.org/drawingml/2006/main" xmlns:r="http://schemas.openxmlformats.org/officeDocument/2006/relationships" xmlns:p="http://schemas.openxmlformats.org/presentationml/2006/main">
   <p:cSld>
     <p:spTree>
@@ -23707,519 +22777,6 @@
 </file>
 
 <file path=ppt/slides/slide3.xml><?xml version="1.0" encoding="utf-8"?>
-<p:sld xmlns:a="http://schemas.openxmlformats.org/drawingml/2006/main" xmlns:r="http://schemas.openxmlformats.org/officeDocument/2006/relationships" xmlns:p="http://schemas.openxmlformats.org/presentationml/2006/main">
-  <p:cSld>
-    <p:spTree>
-      <p:nvGrpSpPr>
-        <p:cNvPr id="1" name=""/>
-        <p:cNvGrpSpPr/>
-        <p:nvPr/>
-      </p:nvGrpSpPr>
-      <p:grpSpPr>
-        <a:xfrm>
-          <a:off x="0" y="0"/>
-          <a:ext cx="0" cy="0"/>
-          <a:chOff x="0" y="0"/>
-          <a:chExt cx="0" cy="0"/>
-        </a:xfrm>
-      </p:grpSpPr>
-      <p:sp>
-        <p:nvSpPr>
-          <p:cNvPr id="5" name="Subtitle 4">
-            <a:extLst>
-              <a:ext uri="{FF2B5EF4-FFF2-40B4-BE49-F238E27FC236}">
-                <a16:creationId xmlns:a16="http://schemas.microsoft.com/office/drawing/2014/main" id="{F6802284-0B0A-1446-9925-043C37AA9E76}"/>
-              </a:ext>
-            </a:extLst>
-          </p:cNvPr>
-          <p:cNvSpPr>
-            <a:spLocks noGrp="1"/>
-          </p:cNvSpPr>
-          <p:nvPr>
-            <p:ph type="subTitle" idx="1"/>
-          </p:nvPr>
-        </p:nvSpPr>
-        <p:spPr>
-          <a:xfrm>
-            <a:off x="1584960" y="2516012"/>
-            <a:ext cx="9144000" cy="1655762"/>
-          </a:xfrm>
-        </p:spPr>
-        <p:txBody>
-          <a:bodyPr/>
-          <a:lstStyle/>
-          <a:p>
-            <a:r>
-              <a:rPr lang="en-US" sz="4400" b="1" dirty="0"/>
-              <a:t>Module 3: </a:t>
-            </a:r>
-          </a:p>
-          <a:p>
-            <a:r>
-              <a:rPr lang="en-US" sz="4400" b="1" dirty="0"/>
-              <a:t>Comparative Genomics</a:t>
-            </a:r>
-          </a:p>
-          <a:p>
-            <a:endParaRPr lang="en-US" dirty="0"/>
-          </a:p>
-          <a:p>
-            <a:r>
-              <a:rPr lang="en-US" sz="4000" dirty="0"/>
-              <a:t> </a:t>
-            </a:r>
-            <a:endParaRPr lang="en-US" sz="3200" dirty="0"/>
-          </a:p>
-        </p:txBody>
-      </p:sp>
-    </p:spTree>
-    <p:extLst>
-      <p:ext uri="{BB962C8B-B14F-4D97-AF65-F5344CB8AC3E}">
-        <p14:creationId xmlns:p14="http://schemas.microsoft.com/office/powerpoint/2010/main" val="3553679666"/>
-      </p:ext>
-    </p:extLst>
-  </p:cSld>
-  <p:clrMapOvr>
-    <a:masterClrMapping/>
-  </p:clrMapOvr>
-</p:sld>
-</file>
-
-<file path=ppt/slides/slide4.xml><?xml version="1.0" encoding="utf-8"?>
-<p:sld xmlns:a="http://schemas.openxmlformats.org/drawingml/2006/main" xmlns:r="http://schemas.openxmlformats.org/officeDocument/2006/relationships" xmlns:p="http://schemas.openxmlformats.org/presentationml/2006/main">
-  <p:cSld>
-    <p:spTree>
-      <p:nvGrpSpPr>
-        <p:cNvPr id="1" name="Shape 98"/>
-        <p:cNvGrpSpPr/>
-        <p:nvPr/>
-      </p:nvGrpSpPr>
-      <p:grpSpPr>
-        <a:xfrm>
-          <a:off x="0" y="0"/>
-          <a:ext cx="0" cy="0"/>
-          <a:chOff x="0" y="0"/>
-          <a:chExt cx="0" cy="0"/>
-        </a:xfrm>
-      </p:grpSpPr>
-      <p:sp>
-        <p:nvSpPr>
-          <p:cNvPr id="100" name="Google Shape;100;p14"/>
-          <p:cNvSpPr txBox="1">
-            <a:spLocks noGrp="1"/>
-          </p:cNvSpPr>
-          <p:nvPr>
-            <p:ph type="body" idx="1"/>
-          </p:nvPr>
-        </p:nvSpPr>
-        <p:spPr>
-          <a:xfrm>
-            <a:off x="921880" y="1110328"/>
-            <a:ext cx="10345064" cy="5401007"/>
-          </a:xfrm>
-          <a:prstGeom prst="rect">
-            <a:avLst/>
-          </a:prstGeom>
-          <a:noFill/>
-          <a:ln>
-            <a:noFill/>
-          </a:ln>
-        </p:spPr>
-        <p:txBody>
-          <a:bodyPr spcFirstLastPara="1" vert="horz" wrap="square" lIns="91425" tIns="45700" rIns="91425" bIns="45700" rtlCol="0" anchor="t" anchorCtr="0">
-            <a:noAutofit/>
-          </a:bodyPr>
-          <a:lstStyle/>
-          <a:p>
-            <a:pPr marL="342900" indent="-342900">
-              <a:lnSpc>
-                <a:spcPct val="100000"/>
-              </a:lnSpc>
-              <a:spcBef>
-                <a:spcPts val="0"/>
-              </a:spcBef>
-              <a:buClr>
-                <a:schemeClr val="dk1"/>
-              </a:buClr>
-              <a:buSzPts val="2800"/>
-              <a:buFont typeface="Calibri"/>
-              <a:buChar char="•"/>
-            </a:pPr>
-            <a:r>
-              <a:rPr lang="en-US" sz="2400" dirty="0">
-                <a:solidFill>
-                  <a:schemeClr val="dk1"/>
-                </a:solidFill>
-                <a:latin typeface="Calibri"/>
-                <a:ea typeface="Calibri"/>
-                <a:cs typeface="Calibri"/>
-                <a:sym typeface="Calibri"/>
-              </a:rPr>
-              <a:t>Previously worked on individual genomes from a </a:t>
-            </a:r>
-            <a:r>
-              <a:rPr lang="en-US" sz="2400" dirty="0">
-                <a:solidFill>
-                  <a:schemeClr val="dk1"/>
-                </a:solidFill>
-                <a:ea typeface="Calibri"/>
-                <a:cs typeface="Calibri"/>
-                <a:sym typeface="Calibri"/>
-              </a:rPr>
-              <a:t>species - can teach us a lot about species biology</a:t>
-            </a:r>
-            <a:endParaRPr lang="en-US" sz="2400" dirty="0">
-              <a:solidFill>
-                <a:schemeClr val="dk1"/>
-              </a:solidFill>
-              <a:latin typeface="Calibri"/>
-              <a:ea typeface="Calibri"/>
-              <a:cs typeface="Calibri"/>
-              <a:sym typeface="Calibri"/>
-            </a:endParaRPr>
-          </a:p>
-          <a:p>
-            <a:pPr marL="342900" indent="-342900">
-              <a:lnSpc>
-                <a:spcPct val="100000"/>
-              </a:lnSpc>
-              <a:spcBef>
-                <a:spcPts val="0"/>
-              </a:spcBef>
-              <a:buClr>
-                <a:schemeClr val="dk1"/>
-              </a:buClr>
-              <a:buSzPts val="2800"/>
-              <a:buFont typeface="Calibri"/>
-              <a:buChar char="•"/>
-            </a:pPr>
-            <a:endParaRPr lang="en-US" sz="2400" dirty="0">
-              <a:latin typeface="Calibri"/>
-              <a:ea typeface="Calibri"/>
-              <a:cs typeface="Calibri"/>
-              <a:sym typeface="Calibri"/>
-            </a:endParaRPr>
-          </a:p>
-          <a:p>
-            <a:pPr marL="342900" indent="-342900">
-              <a:lnSpc>
-                <a:spcPct val="100000"/>
-              </a:lnSpc>
-              <a:spcBef>
-                <a:spcPts val="0"/>
-              </a:spcBef>
-              <a:buClr>
-                <a:schemeClr val="dk1"/>
-              </a:buClr>
-              <a:buSzPts val="2800"/>
-              <a:buFont typeface="Calibri"/>
-              <a:buChar char="•"/>
-            </a:pPr>
-            <a:r>
-              <a:rPr lang="en-US" sz="2400" dirty="0">
-                <a:solidFill>
-                  <a:schemeClr val="dk1"/>
-                </a:solidFill>
-                <a:latin typeface="Calibri"/>
-                <a:ea typeface="Calibri"/>
-                <a:cs typeface="Calibri"/>
-                <a:sym typeface="Calibri"/>
-              </a:rPr>
-              <a:t>We can learn more by </a:t>
-            </a:r>
-            <a:r>
-              <a:rPr lang="en-US" sz="2400" dirty="0" err="1">
-                <a:solidFill>
-                  <a:schemeClr val="dk1"/>
-                </a:solidFill>
-                <a:latin typeface="Calibri"/>
-                <a:ea typeface="Calibri"/>
-                <a:cs typeface="Calibri"/>
-                <a:sym typeface="Calibri"/>
-              </a:rPr>
-              <a:t>analysing</a:t>
-            </a:r>
-            <a:r>
-              <a:rPr lang="en-US" sz="2400" dirty="0">
-                <a:solidFill>
-                  <a:schemeClr val="dk1"/>
-                </a:solidFill>
-                <a:latin typeface="Calibri"/>
-                <a:ea typeface="Calibri"/>
-                <a:cs typeface="Calibri"/>
-                <a:sym typeface="Calibri"/>
-              </a:rPr>
-              <a:t> complete (or large parts of) genomes from within and/or between species</a:t>
-            </a:r>
-            <a:endParaRPr sz="2400" dirty="0"/>
-          </a:p>
-          <a:p>
-            <a:pPr marL="342900" indent="-165100">
-              <a:lnSpc>
-                <a:spcPct val="100000"/>
-              </a:lnSpc>
-              <a:spcBef>
-                <a:spcPts val="560"/>
-              </a:spcBef>
-              <a:buClr>
-                <a:schemeClr val="dk1"/>
-              </a:buClr>
-              <a:buSzPts val="2800"/>
-              <a:buNone/>
-            </a:pPr>
-            <a:endParaRPr sz="2400" dirty="0">
-              <a:solidFill>
-                <a:schemeClr val="dk1"/>
-              </a:solidFill>
-              <a:latin typeface="Calibri"/>
-              <a:ea typeface="Calibri"/>
-              <a:cs typeface="Calibri"/>
-              <a:sym typeface="Calibri"/>
-            </a:endParaRPr>
-          </a:p>
-          <a:p>
-            <a:pPr marL="342900" indent="-342900">
-              <a:lnSpc>
-                <a:spcPct val="100000"/>
-              </a:lnSpc>
-              <a:spcBef>
-                <a:spcPts val="560"/>
-              </a:spcBef>
-              <a:buClr>
-                <a:schemeClr val="dk1"/>
-              </a:buClr>
-              <a:buSzPts val="2800"/>
-              <a:buFont typeface="Calibri"/>
-              <a:buChar char="•"/>
-            </a:pPr>
-            <a:r>
-              <a:rPr lang="en-US" sz="2400" dirty="0">
-                <a:solidFill>
-                  <a:schemeClr val="dk1"/>
-                </a:solidFill>
-                <a:latin typeface="Calibri"/>
-                <a:ea typeface="Calibri"/>
-                <a:cs typeface="Calibri"/>
-                <a:sym typeface="Calibri"/>
-              </a:rPr>
-              <a:t>Identification of similarities and differences between organisms can tell us about:</a:t>
-            </a:r>
-            <a:endParaRPr sz="2400" dirty="0"/>
-          </a:p>
-          <a:p>
-            <a:pPr marL="742950" lvl="1" indent="-285750">
-              <a:lnSpc>
-                <a:spcPct val="100000"/>
-              </a:lnSpc>
-              <a:spcBef>
-                <a:spcPts val="480"/>
-              </a:spcBef>
-              <a:buClr>
-                <a:schemeClr val="dk1"/>
-              </a:buClr>
-              <a:buSzPts val="2400"/>
-              <a:buFont typeface="Calibri"/>
-              <a:buChar char="–"/>
-            </a:pPr>
-            <a:r>
-              <a:rPr lang="en-US" sz="2000" dirty="0">
-                <a:solidFill>
-                  <a:schemeClr val="dk1"/>
-                </a:solidFill>
-                <a:latin typeface="Calibri"/>
-                <a:ea typeface="Calibri"/>
-                <a:cs typeface="Calibri"/>
-                <a:sym typeface="Calibri"/>
-              </a:rPr>
-              <a:t>Core functions</a:t>
-            </a:r>
-            <a:endParaRPr sz="2000" dirty="0">
-              <a:solidFill>
-                <a:schemeClr val="dk1"/>
-              </a:solidFill>
-              <a:latin typeface="Calibri"/>
-              <a:ea typeface="Calibri"/>
-              <a:cs typeface="Calibri"/>
-              <a:sym typeface="Calibri"/>
-            </a:endParaRPr>
-          </a:p>
-          <a:p>
-            <a:pPr marL="742950" lvl="1" indent="-285750">
-              <a:lnSpc>
-                <a:spcPct val="100000"/>
-              </a:lnSpc>
-              <a:spcBef>
-                <a:spcPts val="480"/>
-              </a:spcBef>
-              <a:buClr>
-                <a:schemeClr val="dk1"/>
-              </a:buClr>
-              <a:buSzPts val="2400"/>
-              <a:buFont typeface="Calibri"/>
-              <a:buChar char="–"/>
-            </a:pPr>
-            <a:r>
-              <a:rPr lang="en-US" sz="2000" dirty="0">
-                <a:solidFill>
-                  <a:schemeClr val="dk1"/>
-                </a:solidFill>
-                <a:latin typeface="Calibri"/>
-                <a:ea typeface="Calibri"/>
-                <a:cs typeface="Calibri"/>
-                <a:sym typeface="Calibri"/>
-              </a:rPr>
-              <a:t>Evolutionary history</a:t>
-            </a:r>
-            <a:endParaRPr sz="2000" dirty="0"/>
-          </a:p>
-          <a:p>
-            <a:pPr marL="742950" lvl="1" indent="-285750">
-              <a:lnSpc>
-                <a:spcPct val="100000"/>
-              </a:lnSpc>
-              <a:spcBef>
-                <a:spcPts val="480"/>
-              </a:spcBef>
-              <a:buClr>
-                <a:schemeClr val="dk1"/>
-              </a:buClr>
-              <a:buSzPts val="2400"/>
-              <a:buFont typeface="Calibri"/>
-              <a:buChar char="–"/>
-            </a:pPr>
-            <a:r>
-              <a:rPr lang="en-US" sz="2000" dirty="0">
-                <a:solidFill>
-                  <a:schemeClr val="dk1"/>
-                </a:solidFill>
-                <a:latin typeface="Calibri"/>
-                <a:ea typeface="Calibri"/>
-                <a:cs typeface="Calibri"/>
-                <a:sym typeface="Calibri"/>
-              </a:rPr>
-              <a:t>Adaptation</a:t>
-            </a:r>
-            <a:r>
-              <a:rPr lang="en-US" sz="2000" dirty="0">
-                <a:latin typeface="Calibri"/>
-                <a:ea typeface="Calibri"/>
-                <a:cs typeface="Calibri"/>
-                <a:sym typeface="Calibri"/>
-              </a:rPr>
-              <a:t> (for ex. Infectivity and virulence, alternative metabolic pathways, etc. )</a:t>
-            </a:r>
-          </a:p>
-          <a:p>
-            <a:pPr marL="742950" lvl="1" indent="-285750">
-              <a:lnSpc>
-                <a:spcPct val="100000"/>
-              </a:lnSpc>
-              <a:spcBef>
-                <a:spcPts val="480"/>
-              </a:spcBef>
-              <a:buClr>
-                <a:schemeClr val="dk1"/>
-              </a:buClr>
-              <a:buSzPts val="2400"/>
-              <a:buFont typeface="Calibri"/>
-              <a:buChar char="–"/>
-            </a:pPr>
-            <a:endParaRPr lang="en-US" dirty="0">
-              <a:latin typeface="Calibri"/>
-              <a:ea typeface="Calibri"/>
-              <a:cs typeface="Calibri"/>
-              <a:sym typeface="Calibri"/>
-            </a:endParaRPr>
-          </a:p>
-          <a:p>
-            <a:pPr>
-              <a:lnSpc>
-                <a:spcPct val="100000"/>
-              </a:lnSpc>
-              <a:spcBef>
-                <a:spcPts val="480"/>
-              </a:spcBef>
-              <a:buClr>
-                <a:schemeClr val="dk1"/>
-              </a:buClr>
-              <a:buSzPts val="2400"/>
-            </a:pPr>
-            <a:r>
-              <a:rPr lang="en-US" sz="2400" dirty="0">
-                <a:latin typeface="Calibri"/>
-                <a:ea typeface="Calibri"/>
-                <a:cs typeface="Calibri"/>
-                <a:sym typeface="Calibri"/>
-              </a:rPr>
-              <a:t>Particularly useful with increasing size of genomic datasets</a:t>
-            </a:r>
-          </a:p>
-        </p:txBody>
-      </p:sp>
-      <p:sp>
-        <p:nvSpPr>
-          <p:cNvPr id="6" name="Google Shape;110;p15">
-            <a:extLst>
-              <a:ext uri="{FF2B5EF4-FFF2-40B4-BE49-F238E27FC236}">
-                <a16:creationId xmlns:a16="http://schemas.microsoft.com/office/drawing/2014/main" id="{C617A160-6643-4349-82F6-B83AF4CA04B9}"/>
-              </a:ext>
-            </a:extLst>
-          </p:cNvPr>
-          <p:cNvSpPr txBox="1"/>
-          <p:nvPr/>
-        </p:nvSpPr>
-        <p:spPr>
-          <a:xfrm>
-            <a:off x="0" y="0"/>
-            <a:ext cx="12192000" cy="1143000"/>
-          </a:xfrm>
-          <a:prstGeom prst="rect">
-            <a:avLst/>
-          </a:prstGeom>
-          <a:noFill/>
-          <a:ln>
-            <a:noFill/>
-          </a:ln>
-        </p:spPr>
-        <p:txBody>
-          <a:bodyPr spcFirstLastPara="1" wrap="square" lIns="91425" tIns="45700" rIns="91425" bIns="45700" anchor="ctr" anchorCtr="0">
-            <a:noAutofit/>
-          </a:bodyPr>
-          <a:lstStyle/>
-          <a:p>
-            <a:pPr>
-              <a:buClr>
-                <a:schemeClr val="dk2"/>
-              </a:buClr>
-              <a:buSzPts val="4400"/>
-            </a:pPr>
-            <a:r>
-              <a:rPr lang="en-US" sz="3600" dirty="0">
-                <a:latin typeface="Calibri"/>
-                <a:ea typeface="Calibri"/>
-                <a:cs typeface="Calibri"/>
-                <a:sym typeface="Calibri"/>
-              </a:rPr>
-              <a:t>    Comparative Genomics</a:t>
-            </a:r>
-            <a:endParaRPr sz="3600" dirty="0"/>
-          </a:p>
-        </p:txBody>
-      </p:sp>
-    </p:spTree>
-    <p:extLst>
-      <p:ext uri="{BB962C8B-B14F-4D97-AF65-F5344CB8AC3E}">
-        <p14:creationId xmlns:p14="http://schemas.microsoft.com/office/powerpoint/2010/main" val="1902413972"/>
-      </p:ext>
-    </p:extLst>
-  </p:cSld>
-  <p:clrMapOvr>
-    <a:masterClrMapping/>
-  </p:clrMapOvr>
-</p:sld>
-</file>
-
-<file path=ppt/slides/slide5.xml><?xml version="1.0" encoding="utf-8"?>
 <p:sld xmlns:a="http://schemas.openxmlformats.org/drawingml/2006/main" xmlns:r="http://schemas.openxmlformats.org/officeDocument/2006/relationships" xmlns:p="http://schemas.openxmlformats.org/presentationml/2006/main">
   <p:cSld>
     <p:spTree>
@@ -24772,7 +23329,7 @@
 </p:sld>
 </file>
 
-<file path=ppt/slides/slide6.xml><?xml version="1.0" encoding="utf-8"?>
+<file path=ppt/slides/slide4.xml><?xml version="1.0" encoding="utf-8"?>
 <p:sld xmlns:a="http://schemas.openxmlformats.org/drawingml/2006/main" xmlns:r="http://schemas.openxmlformats.org/officeDocument/2006/relationships" xmlns:p="http://schemas.openxmlformats.org/presentationml/2006/main">
   <p:cSld>
     <p:spTree>
@@ -25269,7 +23826,7 @@
 </p:sld>
 </file>
 
-<file path=ppt/slides/slide7.xml><?xml version="1.0" encoding="utf-8"?>
+<file path=ppt/slides/slide5.xml><?xml version="1.0" encoding="utf-8"?>
 <p:sld xmlns:a="http://schemas.openxmlformats.org/drawingml/2006/main" xmlns:r="http://schemas.openxmlformats.org/officeDocument/2006/relationships" xmlns:p="http://schemas.openxmlformats.org/presentationml/2006/main">
   <p:cSld>
     <p:spTree>
@@ -25795,7 +24352,7 @@
 </p:sld>
 </file>
 
-<file path=ppt/slides/slide8.xml><?xml version="1.0" encoding="utf-8"?>
+<file path=ppt/slides/slide6.xml><?xml version="1.0" encoding="utf-8"?>
 <p:sld xmlns:a="http://schemas.openxmlformats.org/drawingml/2006/main" xmlns:r="http://schemas.openxmlformats.org/officeDocument/2006/relationships" xmlns:p="http://schemas.openxmlformats.org/presentationml/2006/main">
   <p:cSld>
     <p:spTree>
@@ -26065,7 +24622,7 @@
 </p:sld>
 </file>
 
-<file path=ppt/slides/slide9.xml><?xml version="1.0" encoding="utf-8"?>
+<file path=ppt/slides/slide7.xml><?xml version="1.0" encoding="utf-8"?>
 <p:sld xmlns:a="http://schemas.openxmlformats.org/drawingml/2006/main" xmlns:r="http://schemas.openxmlformats.org/officeDocument/2006/relationships" xmlns:p="http://schemas.openxmlformats.org/presentationml/2006/main">
   <p:cSld>
     <p:spTree>
@@ -26347,6 +24904,1215 @@
     <p:extLst>
       <p:ext uri="{BB962C8B-B14F-4D97-AF65-F5344CB8AC3E}">
         <p14:creationId xmlns:p14="http://schemas.microsoft.com/office/powerpoint/2010/main" val="2444090623"/>
+      </p:ext>
+    </p:extLst>
+  </p:cSld>
+  <p:clrMapOvr>
+    <a:masterClrMapping/>
+  </p:clrMapOvr>
+</p:sld>
+</file>
+
+<file path=ppt/slides/slide8.xml><?xml version="1.0" encoding="utf-8"?>
+<p:sld xmlns:a="http://schemas.openxmlformats.org/drawingml/2006/main" xmlns:r="http://schemas.openxmlformats.org/officeDocument/2006/relationships" xmlns:p="http://schemas.openxmlformats.org/presentationml/2006/main">
+  <p:cSld>
+    <p:spTree>
+      <p:nvGrpSpPr>
+        <p:cNvPr id="1" name="Shape 142"/>
+        <p:cNvGrpSpPr/>
+        <p:nvPr/>
+      </p:nvGrpSpPr>
+      <p:grpSpPr>
+        <a:xfrm>
+          <a:off x="0" y="0"/>
+          <a:ext cx="0" cy="0"/>
+          <a:chOff x="0" y="0"/>
+          <a:chExt cx="0" cy="0"/>
+        </a:xfrm>
+      </p:grpSpPr>
+      <p:sp>
+        <p:nvSpPr>
+          <p:cNvPr id="143" name="Google Shape;143;p20"/>
+          <p:cNvSpPr txBox="1">
+            <a:spLocks noGrp="1"/>
+          </p:cNvSpPr>
+          <p:nvPr>
+            <p:ph type="body" idx="1"/>
+          </p:nvPr>
+        </p:nvSpPr>
+        <p:spPr>
+          <a:xfrm>
+            <a:off x="1266092" y="1268412"/>
+            <a:ext cx="9594166" cy="4114800"/>
+          </a:xfrm>
+          <a:prstGeom prst="rect">
+            <a:avLst/>
+          </a:prstGeom>
+          <a:noFill/>
+          <a:ln>
+            <a:noFill/>
+          </a:ln>
+        </p:spPr>
+        <p:txBody>
+          <a:bodyPr spcFirstLastPara="1" vert="horz" wrap="square" lIns="91425" tIns="45700" rIns="91425" bIns="45700" rtlCol="0" anchor="t" anchorCtr="0">
+            <a:noAutofit/>
+          </a:bodyPr>
+          <a:lstStyle/>
+          <a:p>
+            <a:pPr marL="342900" indent="-342900">
+              <a:lnSpc>
+                <a:spcPct val="100000"/>
+              </a:lnSpc>
+              <a:spcBef>
+                <a:spcPts val="0"/>
+              </a:spcBef>
+              <a:buClr>
+                <a:schemeClr val="dk1"/>
+              </a:buClr>
+              <a:buSzPts val="2800"/>
+              <a:buFont typeface="Calibri"/>
+              <a:buChar char="•"/>
+            </a:pPr>
+            <a:r>
+              <a:rPr lang="en-US" sz="2400" dirty="0">
+                <a:solidFill>
+                  <a:schemeClr val="dk1"/>
+                </a:solidFill>
+                <a:ea typeface="Calibri"/>
+                <a:cs typeface="Calibri"/>
+                <a:sym typeface="Calibri"/>
+              </a:rPr>
+              <a:t>The program</a:t>
+            </a:r>
+            <a:endParaRPr sz="2400" dirty="0"/>
+          </a:p>
+          <a:p>
+            <a:pPr marL="742950" lvl="1" indent="-285750">
+              <a:lnSpc>
+                <a:spcPct val="100000"/>
+              </a:lnSpc>
+              <a:spcBef>
+                <a:spcPts val="480"/>
+              </a:spcBef>
+              <a:buClr>
+                <a:schemeClr val="dk1"/>
+              </a:buClr>
+              <a:buSzPts val="2400"/>
+              <a:buFont typeface="Calibri"/>
+              <a:buChar char="–"/>
+            </a:pPr>
+            <a:r>
+              <a:rPr lang="en-US" sz="2000" dirty="0">
+                <a:solidFill>
+                  <a:schemeClr val="dk1"/>
+                </a:solidFill>
+                <a:ea typeface="Calibri"/>
+                <a:cs typeface="Calibri"/>
+                <a:sym typeface="Calibri"/>
+              </a:rPr>
+              <a:t>Local install (currently on your VM desktop) or on the web (as described in your manual)</a:t>
+            </a:r>
+            <a:endParaRPr sz="2000" dirty="0"/>
+          </a:p>
+          <a:p>
+            <a:pPr marL="742950" lvl="1" indent="-285750">
+              <a:lnSpc>
+                <a:spcPct val="100000"/>
+              </a:lnSpc>
+              <a:spcBef>
+                <a:spcPts val="480"/>
+              </a:spcBef>
+              <a:buClr>
+                <a:schemeClr val="dk1"/>
+              </a:buClr>
+              <a:buSzPts val="2400"/>
+              <a:buNone/>
+            </a:pPr>
+            <a:endParaRPr dirty="0">
+              <a:solidFill>
+                <a:schemeClr val="dk1"/>
+              </a:solidFill>
+              <a:ea typeface="Calibri"/>
+              <a:cs typeface="Calibri"/>
+              <a:sym typeface="Calibri"/>
+            </a:endParaRPr>
+          </a:p>
+          <a:p>
+            <a:pPr marL="342900" indent="-342900">
+              <a:lnSpc>
+                <a:spcPct val="100000"/>
+              </a:lnSpc>
+              <a:spcBef>
+                <a:spcPts val="480"/>
+              </a:spcBef>
+              <a:buClr>
+                <a:schemeClr val="dk1"/>
+              </a:buClr>
+              <a:buSzPts val="2400"/>
+              <a:buFont typeface="Calibri"/>
+              <a:buChar char="•"/>
+            </a:pPr>
+            <a:r>
+              <a:rPr lang="en-US" sz="2400" dirty="0">
+                <a:solidFill>
+                  <a:schemeClr val="dk1"/>
+                </a:solidFill>
+                <a:ea typeface="Calibri"/>
+                <a:cs typeface="Calibri"/>
+                <a:sym typeface="Calibri"/>
+              </a:rPr>
+              <a:t>Two or more files containing sequence information</a:t>
+            </a:r>
+            <a:endParaRPr sz="2400" dirty="0"/>
+          </a:p>
+          <a:p>
+            <a:pPr marL="742950" lvl="1" indent="-285750">
+              <a:lnSpc>
+                <a:spcPct val="100000"/>
+              </a:lnSpc>
+              <a:spcBef>
+                <a:spcPts val="400"/>
+              </a:spcBef>
+              <a:buClr>
+                <a:schemeClr val="dk1"/>
+              </a:buClr>
+              <a:buSzPts val="2000"/>
+              <a:buFont typeface="Calibri"/>
+              <a:buChar char="–"/>
+            </a:pPr>
+            <a:r>
+              <a:rPr lang="en-US" sz="2000" dirty="0">
+                <a:solidFill>
+                  <a:schemeClr val="dk1"/>
+                </a:solidFill>
+                <a:ea typeface="Calibri"/>
+                <a:cs typeface="Calibri"/>
+                <a:sym typeface="Calibri"/>
+              </a:rPr>
+              <a:t>Format: </a:t>
+            </a:r>
+            <a:r>
+              <a:rPr lang="en-US" sz="2000" dirty="0" err="1">
+                <a:solidFill>
+                  <a:schemeClr val="dk1"/>
+                </a:solidFill>
+                <a:ea typeface="Calibri"/>
+                <a:cs typeface="Calibri"/>
+                <a:sym typeface="Calibri"/>
+              </a:rPr>
+              <a:t>Fasta</a:t>
+            </a:r>
+            <a:r>
+              <a:rPr lang="en-US" sz="2000" dirty="0">
+                <a:solidFill>
+                  <a:schemeClr val="dk1"/>
+                </a:solidFill>
+                <a:ea typeface="Calibri"/>
+                <a:cs typeface="Calibri"/>
+                <a:sym typeface="Calibri"/>
+              </a:rPr>
+              <a:t>, EMBL, </a:t>
+            </a:r>
+            <a:r>
+              <a:rPr lang="en-US" sz="2000" dirty="0" err="1">
+                <a:solidFill>
+                  <a:schemeClr val="dk1"/>
+                </a:solidFill>
+                <a:ea typeface="Calibri"/>
+                <a:cs typeface="Calibri"/>
+                <a:sym typeface="Calibri"/>
+              </a:rPr>
+              <a:t>Genbank</a:t>
+            </a:r>
+            <a:endParaRPr sz="2000" dirty="0"/>
+          </a:p>
+          <a:p>
+            <a:pPr marL="342900" indent="-190500">
+              <a:lnSpc>
+                <a:spcPct val="100000"/>
+              </a:lnSpc>
+              <a:spcBef>
+                <a:spcPts val="480"/>
+              </a:spcBef>
+              <a:buClr>
+                <a:schemeClr val="dk1"/>
+              </a:buClr>
+              <a:buSzPts val="2400"/>
+              <a:buNone/>
+            </a:pPr>
+            <a:endParaRPr sz="2400" dirty="0">
+              <a:solidFill>
+                <a:schemeClr val="dk1"/>
+              </a:solidFill>
+              <a:ea typeface="Calibri"/>
+              <a:cs typeface="Calibri"/>
+              <a:sym typeface="Calibri"/>
+            </a:endParaRPr>
+          </a:p>
+          <a:p>
+            <a:pPr marL="342900" indent="-342900">
+              <a:lnSpc>
+                <a:spcPct val="100000"/>
+              </a:lnSpc>
+              <a:spcBef>
+                <a:spcPts val="480"/>
+              </a:spcBef>
+              <a:buClr>
+                <a:schemeClr val="dk1"/>
+              </a:buClr>
+              <a:buSzPts val="2400"/>
+              <a:buFont typeface="Calibri"/>
+              <a:buChar char="•"/>
+            </a:pPr>
+            <a:r>
+              <a:rPr lang="en-US" sz="2400" b="1" dirty="0">
+                <a:solidFill>
+                  <a:schemeClr val="dk1"/>
+                </a:solidFill>
+                <a:ea typeface="Calibri"/>
+                <a:cs typeface="Calibri"/>
+                <a:sym typeface="Calibri"/>
+              </a:rPr>
+              <a:t>Output from a comparative analysis of those sequence files</a:t>
+            </a:r>
+            <a:endParaRPr sz="2400" dirty="0"/>
+          </a:p>
+          <a:p>
+            <a:pPr marL="742950" lvl="1" indent="-285750">
+              <a:lnSpc>
+                <a:spcPct val="100000"/>
+              </a:lnSpc>
+              <a:spcBef>
+                <a:spcPts val="400"/>
+              </a:spcBef>
+              <a:buClr>
+                <a:schemeClr val="dk1"/>
+              </a:buClr>
+              <a:buSzPts val="2000"/>
+              <a:buFont typeface="Calibri"/>
+              <a:buChar char="–"/>
+            </a:pPr>
+            <a:r>
+              <a:rPr lang="en-US" sz="2000" dirty="0">
+                <a:solidFill>
+                  <a:schemeClr val="dk1"/>
+                </a:solidFill>
+                <a:ea typeface="Calibri"/>
+                <a:cs typeface="Calibri"/>
+                <a:sym typeface="Calibri"/>
+              </a:rPr>
+              <a:t>Format: BLAST, mummer, VCF</a:t>
+            </a:r>
+            <a:endParaRPr sz="2000" dirty="0"/>
+          </a:p>
+          <a:p>
+            <a:pPr marL="342900" indent="-190500">
+              <a:lnSpc>
+                <a:spcPct val="100000"/>
+              </a:lnSpc>
+              <a:spcBef>
+                <a:spcPts val="480"/>
+              </a:spcBef>
+              <a:buClr>
+                <a:schemeClr val="dk1"/>
+              </a:buClr>
+              <a:buSzPts val="2400"/>
+              <a:buNone/>
+            </a:pPr>
+            <a:endParaRPr sz="2400" dirty="0">
+              <a:solidFill>
+                <a:schemeClr val="dk1"/>
+              </a:solidFill>
+              <a:ea typeface="Calibri"/>
+              <a:cs typeface="Calibri"/>
+              <a:sym typeface="Calibri"/>
+            </a:endParaRPr>
+          </a:p>
+          <a:p>
+            <a:pPr marL="342900" indent="-342900">
+              <a:lnSpc>
+                <a:spcPct val="100000"/>
+              </a:lnSpc>
+              <a:spcBef>
+                <a:spcPts val="480"/>
+              </a:spcBef>
+              <a:buClr>
+                <a:schemeClr val="dk1"/>
+              </a:buClr>
+              <a:buSzPts val="2400"/>
+              <a:buFont typeface="Calibri"/>
+              <a:buChar char="•"/>
+            </a:pPr>
+            <a:r>
+              <a:rPr lang="en-US" sz="2400" dirty="0">
+                <a:solidFill>
+                  <a:schemeClr val="dk1"/>
+                </a:solidFill>
+                <a:ea typeface="Calibri"/>
+                <a:cs typeface="Calibri"/>
+                <a:sym typeface="Calibri"/>
+              </a:rPr>
+              <a:t>Optional: Additional metadata</a:t>
+            </a:r>
+            <a:endParaRPr sz="2400" dirty="0"/>
+          </a:p>
+          <a:p>
+            <a:pPr marL="742950" lvl="1" indent="-285750">
+              <a:lnSpc>
+                <a:spcPct val="100000"/>
+              </a:lnSpc>
+              <a:spcBef>
+                <a:spcPts val="400"/>
+              </a:spcBef>
+              <a:buClr>
+                <a:schemeClr val="dk1"/>
+              </a:buClr>
+              <a:buSzPts val="2000"/>
+              <a:buFont typeface="Calibri"/>
+              <a:buChar char="–"/>
+            </a:pPr>
+            <a:r>
+              <a:rPr lang="en-US" sz="2000" dirty="0">
+                <a:solidFill>
+                  <a:schemeClr val="dk1"/>
+                </a:solidFill>
+                <a:ea typeface="Calibri"/>
+                <a:cs typeface="Calibri"/>
+                <a:sym typeface="Calibri"/>
+              </a:rPr>
+              <a:t>Format: GFF, EMBL</a:t>
+            </a:r>
+            <a:endParaRPr sz="2000" dirty="0"/>
+          </a:p>
+        </p:txBody>
+      </p:sp>
+      <p:sp>
+        <p:nvSpPr>
+          <p:cNvPr id="4" name="Google Shape;110;p15">
+            <a:extLst>
+              <a:ext uri="{FF2B5EF4-FFF2-40B4-BE49-F238E27FC236}">
+                <a16:creationId xmlns:a16="http://schemas.microsoft.com/office/drawing/2014/main" id="{E8BC432D-CC78-EE4F-8C25-FCF8E909F698}"/>
+              </a:ext>
+            </a:extLst>
+          </p:cNvPr>
+          <p:cNvSpPr txBox="1"/>
+          <p:nvPr/>
+        </p:nvSpPr>
+        <p:spPr>
+          <a:xfrm>
+            <a:off x="0" y="0"/>
+            <a:ext cx="12192000" cy="1143000"/>
+          </a:xfrm>
+          <a:prstGeom prst="rect">
+            <a:avLst/>
+          </a:prstGeom>
+          <a:noFill/>
+          <a:ln>
+            <a:noFill/>
+          </a:ln>
+        </p:spPr>
+        <p:txBody>
+          <a:bodyPr spcFirstLastPara="1" wrap="square" lIns="91425" tIns="45700" rIns="91425" bIns="45700" anchor="ctr" anchorCtr="0">
+            <a:noAutofit/>
+          </a:bodyPr>
+          <a:lstStyle/>
+          <a:p>
+            <a:pPr>
+              <a:buClr>
+                <a:schemeClr val="dk2"/>
+              </a:buClr>
+              <a:buSzPts val="4400"/>
+            </a:pPr>
+            <a:r>
+              <a:rPr lang="en-US" sz="3600" dirty="0">
+                <a:latin typeface="Calibri"/>
+                <a:ea typeface="Calibri"/>
+                <a:cs typeface="Calibri"/>
+                <a:sym typeface="Calibri"/>
+              </a:rPr>
+              <a:t>    What do you need to run ACT?</a:t>
+            </a:r>
+            <a:endParaRPr sz="3600" dirty="0"/>
+          </a:p>
+        </p:txBody>
+      </p:sp>
+    </p:spTree>
+    <p:extLst>
+      <p:ext uri="{BB962C8B-B14F-4D97-AF65-F5344CB8AC3E}">
+        <p14:creationId xmlns:p14="http://schemas.microsoft.com/office/powerpoint/2010/main" val="3785274833"/>
+      </p:ext>
+    </p:extLst>
+  </p:cSld>
+  <p:clrMapOvr>
+    <a:masterClrMapping/>
+  </p:clrMapOvr>
+</p:sld>
+</file>
+
+<file path=ppt/slides/slide9.xml><?xml version="1.0" encoding="utf-8"?>
+<p:sld xmlns:a="http://schemas.openxmlformats.org/drawingml/2006/main" xmlns:r="http://schemas.openxmlformats.org/officeDocument/2006/relationships" xmlns:p="http://schemas.openxmlformats.org/presentationml/2006/main">
+  <p:cSld>
+    <p:spTree>
+      <p:nvGrpSpPr>
+        <p:cNvPr id="1" name="Shape 148"/>
+        <p:cNvGrpSpPr/>
+        <p:nvPr/>
+      </p:nvGrpSpPr>
+      <p:grpSpPr>
+        <a:xfrm>
+          <a:off x="0" y="0"/>
+          <a:ext cx="0" cy="0"/>
+          <a:chOff x="0" y="0"/>
+          <a:chExt cx="0" cy="0"/>
+        </a:xfrm>
+      </p:grpSpPr>
+      <p:pic>
+        <p:nvPicPr>
+          <p:cNvPr id="149" name="Google Shape;149;p21" descr="GENEPRED"/>
+          <p:cNvPicPr preferRelativeResize="0"/>
+          <p:nvPr/>
+        </p:nvPicPr>
+        <p:blipFill rotWithShape="1">
+          <a:blip r:embed="rId3">
+            <a:alphaModFix/>
+          </a:blip>
+          <a:srcRect/>
+          <a:stretch/>
+        </p:blipFill>
+        <p:spPr>
+          <a:xfrm>
+            <a:off x="2711451" y="1628776"/>
+            <a:ext cx="6600825" cy="3959225"/>
+          </a:xfrm>
+          <a:prstGeom prst="rect">
+            <a:avLst/>
+          </a:prstGeom>
+          <a:noFill/>
+          <a:ln>
+            <a:noFill/>
+          </a:ln>
+        </p:spPr>
+      </p:pic>
+      <p:sp>
+        <p:nvSpPr>
+          <p:cNvPr id="151" name="Google Shape;151;p21"/>
+          <p:cNvSpPr/>
+          <p:nvPr/>
+        </p:nvSpPr>
+        <p:spPr>
+          <a:xfrm>
+            <a:off x="2424113" y="1628776"/>
+            <a:ext cx="142875" cy="936625"/>
+          </a:xfrm>
+          <a:prstGeom prst="leftBrace">
+            <a:avLst>
+              <a:gd name="adj1" fmla="val 277"/>
+              <a:gd name="adj2" fmla="val 50000"/>
+            </a:avLst>
+          </a:prstGeom>
+          <a:noFill/>
+          <a:ln w="25400" cap="flat" cmpd="sng">
+            <a:solidFill>
+              <a:schemeClr val="dk1"/>
+            </a:solidFill>
+            <a:prstDash val="solid"/>
+            <a:miter lim="800000"/>
+            <a:headEnd type="none" w="sm" len="sm"/>
+            <a:tailEnd type="none" w="sm" len="sm"/>
+          </a:ln>
+          <a:effectLst>
+            <a:outerShdw blurRad="63500" dist="20000" dir="5400000">
+              <a:srgbClr val="808080">
+                <a:alpha val="37647"/>
+              </a:srgbClr>
+            </a:outerShdw>
+          </a:effectLst>
+        </p:spPr>
+        <p:txBody>
+          <a:bodyPr spcFirstLastPara="1" wrap="square" lIns="91425" tIns="45700" rIns="91425" bIns="45700" anchor="ctr" anchorCtr="0">
+            <a:noAutofit/>
+          </a:bodyPr>
+          <a:lstStyle/>
+          <a:p>
+            <a:endParaRPr sz="2400">
+              <a:solidFill>
+                <a:schemeClr val="dk1"/>
+              </a:solidFill>
+              <a:latin typeface="Times New Roman"/>
+              <a:ea typeface="Times New Roman"/>
+              <a:cs typeface="Times New Roman"/>
+              <a:sym typeface="Times New Roman"/>
+            </a:endParaRPr>
+          </a:p>
+        </p:txBody>
+      </p:sp>
+      <p:sp>
+        <p:nvSpPr>
+          <p:cNvPr id="152" name="Google Shape;152;p21"/>
+          <p:cNvSpPr/>
+          <p:nvPr/>
+        </p:nvSpPr>
+        <p:spPr>
+          <a:xfrm>
+            <a:off x="2424113" y="4652963"/>
+            <a:ext cx="142875" cy="936625"/>
+          </a:xfrm>
+          <a:prstGeom prst="leftBrace">
+            <a:avLst>
+              <a:gd name="adj1" fmla="val 277"/>
+              <a:gd name="adj2" fmla="val 50000"/>
+            </a:avLst>
+          </a:prstGeom>
+          <a:noFill/>
+          <a:ln w="25400" cap="flat" cmpd="sng">
+            <a:solidFill>
+              <a:schemeClr val="dk1"/>
+            </a:solidFill>
+            <a:prstDash val="solid"/>
+            <a:miter lim="800000"/>
+            <a:headEnd type="none" w="sm" len="sm"/>
+            <a:tailEnd type="none" w="sm" len="sm"/>
+          </a:ln>
+          <a:effectLst>
+            <a:outerShdw blurRad="63500" dist="20000" dir="5400000">
+              <a:srgbClr val="808080">
+                <a:alpha val="37647"/>
+              </a:srgbClr>
+            </a:outerShdw>
+          </a:effectLst>
+        </p:spPr>
+        <p:txBody>
+          <a:bodyPr spcFirstLastPara="1" wrap="square" lIns="91425" tIns="45700" rIns="91425" bIns="45700" anchor="ctr" anchorCtr="0">
+            <a:noAutofit/>
+          </a:bodyPr>
+          <a:lstStyle/>
+          <a:p>
+            <a:endParaRPr sz="2400">
+              <a:solidFill>
+                <a:schemeClr val="dk1"/>
+              </a:solidFill>
+              <a:latin typeface="Times New Roman"/>
+              <a:ea typeface="Times New Roman"/>
+              <a:cs typeface="Times New Roman"/>
+              <a:sym typeface="Times New Roman"/>
+            </a:endParaRPr>
+          </a:p>
+        </p:txBody>
+      </p:sp>
+      <p:sp>
+        <p:nvSpPr>
+          <p:cNvPr id="153" name="Google Shape;153;p21"/>
+          <p:cNvSpPr txBox="1"/>
+          <p:nvPr/>
+        </p:nvSpPr>
+        <p:spPr>
+          <a:xfrm>
+            <a:off x="829561" y="1844675"/>
+            <a:ext cx="1708591" cy="461962"/>
+          </a:xfrm>
+          <a:prstGeom prst="rect">
+            <a:avLst/>
+          </a:prstGeom>
+          <a:noFill/>
+          <a:ln>
+            <a:noFill/>
+          </a:ln>
+        </p:spPr>
+        <p:txBody>
+          <a:bodyPr spcFirstLastPara="1" wrap="square" lIns="91425" tIns="45700" rIns="91425" bIns="45700" anchor="t" anchorCtr="0">
+            <a:noAutofit/>
+          </a:bodyPr>
+          <a:lstStyle/>
+          <a:p>
+            <a:pPr>
+              <a:buClr>
+                <a:schemeClr val="dk1"/>
+              </a:buClr>
+              <a:buSzPts val="2400"/>
+            </a:pPr>
+            <a:r>
+              <a:rPr lang="en-US" sz="2400" dirty="0">
+                <a:solidFill>
+                  <a:schemeClr val="dk1"/>
+                </a:solidFill>
+                <a:latin typeface="Calibri"/>
+                <a:ea typeface="Calibri"/>
+                <a:cs typeface="Calibri"/>
+                <a:sym typeface="Calibri"/>
+              </a:rPr>
+              <a:t>Sequence 1</a:t>
+            </a:r>
+            <a:endParaRPr dirty="0"/>
+          </a:p>
+        </p:txBody>
+      </p:sp>
+      <p:sp>
+        <p:nvSpPr>
+          <p:cNvPr id="154" name="Google Shape;154;p21"/>
+          <p:cNvSpPr txBox="1"/>
+          <p:nvPr/>
+        </p:nvSpPr>
+        <p:spPr>
+          <a:xfrm>
+            <a:off x="829561" y="4868862"/>
+            <a:ext cx="1708591" cy="461962"/>
+          </a:xfrm>
+          <a:prstGeom prst="rect">
+            <a:avLst/>
+          </a:prstGeom>
+          <a:noFill/>
+          <a:ln>
+            <a:noFill/>
+          </a:ln>
+        </p:spPr>
+        <p:txBody>
+          <a:bodyPr spcFirstLastPara="1" wrap="square" lIns="91425" tIns="45700" rIns="91425" bIns="45700" anchor="t" anchorCtr="0">
+            <a:noAutofit/>
+          </a:bodyPr>
+          <a:lstStyle/>
+          <a:p>
+            <a:pPr>
+              <a:buClr>
+                <a:schemeClr val="dk1"/>
+              </a:buClr>
+              <a:buSzPts val="2400"/>
+            </a:pPr>
+            <a:r>
+              <a:rPr lang="en-US" sz="2400" dirty="0">
+                <a:solidFill>
+                  <a:schemeClr val="dk1"/>
+                </a:solidFill>
+                <a:latin typeface="Calibri"/>
+                <a:ea typeface="Calibri"/>
+                <a:cs typeface="Calibri"/>
+                <a:sym typeface="Calibri"/>
+              </a:rPr>
+              <a:t>Sequence 2</a:t>
+            </a:r>
+            <a:endParaRPr dirty="0"/>
+          </a:p>
+        </p:txBody>
+      </p:sp>
+      <p:cxnSp>
+        <p:nvCxnSpPr>
+          <p:cNvPr id="155" name="Google Shape;155;p21"/>
+          <p:cNvCxnSpPr/>
+          <p:nvPr/>
+        </p:nvCxnSpPr>
+        <p:spPr>
+          <a:xfrm rot="10800000" flipH="1">
+            <a:off x="3359150" y="5373687"/>
+            <a:ext cx="144462" cy="647700"/>
+          </a:xfrm>
+          <a:prstGeom prst="straightConnector1">
+            <a:avLst/>
+          </a:prstGeom>
+          <a:noFill/>
+          <a:ln w="25400" cap="flat" cmpd="sng">
+            <a:solidFill>
+              <a:srgbClr val="000000"/>
+            </a:solidFill>
+            <a:prstDash val="solid"/>
+            <a:miter lim="800000"/>
+            <a:headEnd type="none" w="med" len="med"/>
+            <a:tailEnd type="stealth" w="med" len="med"/>
+          </a:ln>
+          <a:effectLst>
+            <a:outerShdw blurRad="63500" dist="20000" dir="5400000">
+              <a:srgbClr val="808080">
+                <a:alpha val="37647"/>
+              </a:srgbClr>
+            </a:outerShdw>
+          </a:effectLst>
+        </p:spPr>
+      </p:cxnSp>
+      <p:cxnSp>
+        <p:nvCxnSpPr>
+          <p:cNvPr id="156" name="Google Shape;156;p21"/>
+          <p:cNvCxnSpPr/>
+          <p:nvPr/>
+        </p:nvCxnSpPr>
+        <p:spPr>
+          <a:xfrm rot="10800000" flipH="1">
+            <a:off x="3359151" y="5300663"/>
+            <a:ext cx="1152525" cy="720725"/>
+          </a:xfrm>
+          <a:prstGeom prst="straightConnector1">
+            <a:avLst/>
+          </a:prstGeom>
+          <a:noFill/>
+          <a:ln w="25400" cap="flat" cmpd="sng">
+            <a:solidFill>
+              <a:srgbClr val="000000"/>
+            </a:solidFill>
+            <a:prstDash val="solid"/>
+            <a:miter lim="800000"/>
+            <a:headEnd type="none" w="med" len="med"/>
+            <a:tailEnd type="stealth" w="med" len="med"/>
+          </a:ln>
+          <a:effectLst>
+            <a:outerShdw blurRad="63500" dist="20000" dir="5400000">
+              <a:srgbClr val="808080">
+                <a:alpha val="37647"/>
+              </a:srgbClr>
+            </a:outerShdw>
+          </a:effectLst>
+        </p:spPr>
+      </p:cxnSp>
+      <p:sp>
+        <p:nvSpPr>
+          <p:cNvPr id="157" name="Google Shape;157;p21"/>
+          <p:cNvSpPr txBox="1"/>
+          <p:nvPr/>
+        </p:nvSpPr>
+        <p:spPr>
+          <a:xfrm>
+            <a:off x="2279651" y="6021387"/>
+            <a:ext cx="2546873" cy="461962"/>
+          </a:xfrm>
+          <a:prstGeom prst="rect">
+            <a:avLst/>
+          </a:prstGeom>
+          <a:noFill/>
+          <a:ln>
+            <a:noFill/>
+          </a:ln>
+        </p:spPr>
+        <p:txBody>
+          <a:bodyPr spcFirstLastPara="1" wrap="square" lIns="91425" tIns="45700" rIns="91425" bIns="45700" anchor="t" anchorCtr="0">
+            <a:noAutofit/>
+          </a:bodyPr>
+          <a:lstStyle/>
+          <a:p>
+            <a:pPr>
+              <a:buClr>
+                <a:schemeClr val="dk1"/>
+              </a:buClr>
+              <a:buSzPts val="2400"/>
+            </a:pPr>
+            <a:r>
+              <a:rPr lang="en-US" sz="2400" dirty="0">
+                <a:solidFill>
+                  <a:schemeClr val="dk1"/>
+                </a:solidFill>
+                <a:latin typeface="Calibri"/>
+                <a:ea typeface="Calibri"/>
+                <a:cs typeface="Calibri"/>
+                <a:sym typeface="Calibri"/>
+              </a:rPr>
+              <a:t>Coding sequences</a:t>
+            </a:r>
+            <a:endParaRPr dirty="0"/>
+          </a:p>
+        </p:txBody>
+      </p:sp>
+      <p:sp>
+        <p:nvSpPr>
+          <p:cNvPr id="158" name="Google Shape;158;p21"/>
+          <p:cNvSpPr txBox="1"/>
+          <p:nvPr/>
+        </p:nvSpPr>
+        <p:spPr>
+          <a:xfrm>
+            <a:off x="5880100" y="5949951"/>
+            <a:ext cx="2813050" cy="460375"/>
+          </a:xfrm>
+          <a:prstGeom prst="rect">
+            <a:avLst/>
+          </a:prstGeom>
+          <a:noFill/>
+          <a:ln>
+            <a:noFill/>
+          </a:ln>
+        </p:spPr>
+        <p:txBody>
+          <a:bodyPr spcFirstLastPara="1" wrap="square" lIns="91425" tIns="45700" rIns="91425" bIns="45700" anchor="t" anchorCtr="0">
+            <a:noAutofit/>
+          </a:bodyPr>
+          <a:lstStyle/>
+          <a:p>
+            <a:pPr>
+              <a:buClr>
+                <a:schemeClr val="dk1"/>
+              </a:buClr>
+              <a:buSzPts val="2400"/>
+            </a:pPr>
+            <a:r>
+              <a:rPr lang="en-US" sz="2400">
+                <a:solidFill>
+                  <a:schemeClr val="dk1"/>
+                </a:solidFill>
+                <a:latin typeface="Calibri"/>
+                <a:ea typeface="Calibri"/>
+                <a:cs typeface="Calibri"/>
+                <a:sym typeface="Calibri"/>
+              </a:rPr>
+              <a:t>Regions of homology</a:t>
+            </a:r>
+            <a:endParaRPr/>
+          </a:p>
+        </p:txBody>
+      </p:sp>
+      <p:cxnSp>
+        <p:nvCxnSpPr>
+          <p:cNvPr id="159" name="Google Shape;159;p21"/>
+          <p:cNvCxnSpPr/>
+          <p:nvPr/>
+        </p:nvCxnSpPr>
+        <p:spPr>
+          <a:xfrm rot="10800000" flipH="1">
+            <a:off x="7286625" y="4221163"/>
+            <a:ext cx="538162" cy="1728787"/>
+          </a:xfrm>
+          <a:prstGeom prst="straightConnector1">
+            <a:avLst/>
+          </a:prstGeom>
+          <a:noFill/>
+          <a:ln w="25400" cap="flat" cmpd="sng">
+            <a:solidFill>
+              <a:srgbClr val="000000"/>
+            </a:solidFill>
+            <a:prstDash val="solid"/>
+            <a:miter lim="800000"/>
+            <a:headEnd type="none" w="med" len="med"/>
+            <a:tailEnd type="stealth" w="med" len="med"/>
+          </a:ln>
+          <a:effectLst>
+            <a:outerShdw blurRad="63500" dist="20000" dir="5400000">
+              <a:srgbClr val="808080">
+                <a:alpha val="37647"/>
+              </a:srgbClr>
+            </a:outerShdw>
+          </a:effectLst>
+        </p:spPr>
+      </p:cxnSp>
+      <p:cxnSp>
+        <p:nvCxnSpPr>
+          <p:cNvPr id="160" name="Google Shape;160;p21"/>
+          <p:cNvCxnSpPr/>
+          <p:nvPr/>
+        </p:nvCxnSpPr>
+        <p:spPr>
+          <a:xfrm rot="10800000">
+            <a:off x="9409113" y="4868862"/>
+            <a:ext cx="287337" cy="215900"/>
+          </a:xfrm>
+          <a:prstGeom prst="straightConnector1">
+            <a:avLst/>
+          </a:prstGeom>
+          <a:noFill/>
+          <a:ln w="25400" cap="flat" cmpd="sng">
+            <a:solidFill>
+              <a:srgbClr val="000000"/>
+            </a:solidFill>
+            <a:prstDash val="solid"/>
+            <a:miter lim="800000"/>
+            <a:headEnd type="none" w="med" len="med"/>
+            <a:tailEnd type="stealth" w="med" len="med"/>
+          </a:ln>
+          <a:effectLst>
+            <a:outerShdw blurRad="63500" dist="20000" dir="5400000">
+              <a:srgbClr val="808080">
+                <a:alpha val="37647"/>
+              </a:srgbClr>
+            </a:outerShdw>
+          </a:effectLst>
+        </p:spPr>
+      </p:cxnSp>
+      <p:cxnSp>
+        <p:nvCxnSpPr>
+          <p:cNvPr id="161" name="Google Shape;161;p21"/>
+          <p:cNvCxnSpPr/>
+          <p:nvPr/>
+        </p:nvCxnSpPr>
+        <p:spPr>
+          <a:xfrm flipH="1">
+            <a:off x="9409113" y="5084763"/>
+            <a:ext cx="287337" cy="288925"/>
+          </a:xfrm>
+          <a:prstGeom prst="straightConnector1">
+            <a:avLst/>
+          </a:prstGeom>
+          <a:noFill/>
+          <a:ln w="25400" cap="flat" cmpd="sng">
+            <a:solidFill>
+              <a:srgbClr val="000000"/>
+            </a:solidFill>
+            <a:prstDash val="solid"/>
+            <a:miter lim="800000"/>
+            <a:headEnd type="none" w="med" len="med"/>
+            <a:tailEnd type="stealth" w="med" len="med"/>
+          </a:ln>
+          <a:effectLst>
+            <a:outerShdw blurRad="63500" dist="20000" dir="5400000">
+              <a:srgbClr val="808080">
+                <a:alpha val="37647"/>
+              </a:srgbClr>
+            </a:outerShdw>
+          </a:effectLst>
+        </p:spPr>
+      </p:cxnSp>
+      <p:sp>
+        <p:nvSpPr>
+          <p:cNvPr id="162" name="Google Shape;162;p21"/>
+          <p:cNvSpPr txBox="1"/>
+          <p:nvPr/>
+        </p:nvSpPr>
+        <p:spPr>
+          <a:xfrm>
+            <a:off x="9767888" y="4868862"/>
+            <a:ext cx="2424112" cy="461962"/>
+          </a:xfrm>
+          <a:prstGeom prst="rect">
+            <a:avLst/>
+          </a:prstGeom>
+          <a:noFill/>
+          <a:ln>
+            <a:noFill/>
+          </a:ln>
+        </p:spPr>
+        <p:txBody>
+          <a:bodyPr spcFirstLastPara="1" wrap="square" lIns="91425" tIns="45700" rIns="91425" bIns="45700" anchor="t" anchorCtr="0">
+            <a:noAutofit/>
+          </a:bodyPr>
+          <a:lstStyle/>
+          <a:p>
+            <a:pPr>
+              <a:buClr>
+                <a:schemeClr val="dk1"/>
+              </a:buClr>
+              <a:buSzPts val="2400"/>
+            </a:pPr>
+            <a:r>
+              <a:rPr lang="en-US" sz="2400" dirty="0">
+                <a:solidFill>
+                  <a:schemeClr val="dk1"/>
+                </a:solidFill>
+                <a:latin typeface="Calibri"/>
+                <a:ea typeface="Calibri"/>
+                <a:cs typeface="Calibri"/>
+                <a:sym typeface="Calibri"/>
+              </a:rPr>
+              <a:t>6 Reading Frames</a:t>
+            </a:r>
+            <a:endParaRPr dirty="0"/>
+          </a:p>
+        </p:txBody>
+      </p:sp>
+      <p:cxnSp>
+        <p:nvCxnSpPr>
+          <p:cNvPr id="163" name="Google Shape;163;p21"/>
+          <p:cNvCxnSpPr/>
+          <p:nvPr/>
+        </p:nvCxnSpPr>
+        <p:spPr>
+          <a:xfrm rot="10800000">
+            <a:off x="9480551" y="2133600"/>
+            <a:ext cx="287337" cy="0"/>
+          </a:xfrm>
+          <a:prstGeom prst="straightConnector1">
+            <a:avLst/>
+          </a:prstGeom>
+          <a:noFill/>
+          <a:ln w="25400" cap="flat" cmpd="sng">
+            <a:solidFill>
+              <a:srgbClr val="000000"/>
+            </a:solidFill>
+            <a:prstDash val="solid"/>
+            <a:miter lim="800000"/>
+            <a:headEnd type="none" w="med" len="med"/>
+            <a:tailEnd type="stealth" w="med" len="med"/>
+          </a:ln>
+          <a:effectLst>
+            <a:outerShdw blurRad="63500" dist="20000" dir="5400000">
+              <a:srgbClr val="808080">
+                <a:alpha val="37647"/>
+              </a:srgbClr>
+            </a:outerShdw>
+          </a:effectLst>
+        </p:spPr>
+      </p:cxnSp>
+      <p:sp>
+        <p:nvSpPr>
+          <p:cNvPr id="164" name="Google Shape;164;p21"/>
+          <p:cNvSpPr txBox="1"/>
+          <p:nvPr/>
+        </p:nvSpPr>
+        <p:spPr>
+          <a:xfrm>
+            <a:off x="9840912" y="1916112"/>
+            <a:ext cx="508000" cy="461962"/>
+          </a:xfrm>
+          <a:prstGeom prst="rect">
+            <a:avLst/>
+          </a:prstGeom>
+          <a:noFill/>
+          <a:ln>
+            <a:noFill/>
+          </a:ln>
+        </p:spPr>
+        <p:txBody>
+          <a:bodyPr spcFirstLastPara="1" wrap="square" lIns="91425" tIns="45700" rIns="91425" bIns="45700" anchor="t" anchorCtr="0">
+            <a:noAutofit/>
+          </a:bodyPr>
+          <a:lstStyle/>
+          <a:p>
+            <a:pPr>
+              <a:buClr>
+                <a:schemeClr val="dk1"/>
+              </a:buClr>
+              <a:buSzPts val="2400"/>
+            </a:pPr>
+            <a:r>
+              <a:rPr lang="en-US" sz="2400">
+                <a:solidFill>
+                  <a:schemeClr val="dk1"/>
+                </a:solidFill>
+                <a:latin typeface="Calibri"/>
+                <a:ea typeface="Calibri"/>
+                <a:cs typeface="Calibri"/>
+                <a:sym typeface="Calibri"/>
+              </a:rPr>
+              <a:t>bp</a:t>
+            </a:r>
+            <a:endParaRPr/>
+          </a:p>
+        </p:txBody>
+      </p:sp>
+      <p:cxnSp>
+        <p:nvCxnSpPr>
+          <p:cNvPr id="165" name="Google Shape;165;p21"/>
+          <p:cNvCxnSpPr/>
+          <p:nvPr/>
+        </p:nvCxnSpPr>
+        <p:spPr>
+          <a:xfrm flipH="1">
+            <a:off x="8256587" y="1412876"/>
+            <a:ext cx="360362" cy="287337"/>
+          </a:xfrm>
+          <a:prstGeom prst="straightConnector1">
+            <a:avLst/>
+          </a:prstGeom>
+          <a:noFill/>
+          <a:ln w="25400" cap="flat" cmpd="sng">
+            <a:solidFill>
+              <a:srgbClr val="000000"/>
+            </a:solidFill>
+            <a:prstDash val="solid"/>
+            <a:miter lim="800000"/>
+            <a:headEnd type="none" w="med" len="med"/>
+            <a:tailEnd type="stealth" w="med" len="med"/>
+          </a:ln>
+          <a:effectLst>
+            <a:outerShdw blurRad="63500" dist="20000" dir="5400000">
+              <a:srgbClr val="808080">
+                <a:alpha val="37647"/>
+              </a:srgbClr>
+            </a:outerShdw>
+          </a:effectLst>
+        </p:spPr>
+      </p:cxnSp>
+      <p:sp>
+        <p:nvSpPr>
+          <p:cNvPr id="166" name="Google Shape;166;p21"/>
+          <p:cNvSpPr txBox="1"/>
+          <p:nvPr/>
+        </p:nvSpPr>
+        <p:spPr>
+          <a:xfrm>
+            <a:off x="8694738" y="1166812"/>
+            <a:ext cx="1792287" cy="461962"/>
+          </a:xfrm>
+          <a:prstGeom prst="rect">
+            <a:avLst/>
+          </a:prstGeom>
+          <a:noFill/>
+          <a:ln>
+            <a:noFill/>
+          </a:ln>
+        </p:spPr>
+        <p:txBody>
+          <a:bodyPr spcFirstLastPara="1" wrap="square" lIns="91425" tIns="45700" rIns="91425" bIns="45700" anchor="t" anchorCtr="0">
+            <a:noAutofit/>
+          </a:bodyPr>
+          <a:lstStyle/>
+          <a:p>
+            <a:pPr>
+              <a:buClr>
+                <a:schemeClr val="dk1"/>
+              </a:buClr>
+              <a:buSzPts val="2400"/>
+            </a:pPr>
+            <a:r>
+              <a:rPr lang="en-US" sz="2400" dirty="0">
+                <a:solidFill>
+                  <a:schemeClr val="dk1"/>
+                </a:solidFill>
+                <a:latin typeface="Calibri"/>
+                <a:ea typeface="Calibri"/>
+                <a:cs typeface="Calibri"/>
+                <a:sym typeface="Calibri"/>
+              </a:rPr>
+              <a:t>Stop codons</a:t>
+            </a:r>
+            <a:endParaRPr dirty="0"/>
+          </a:p>
+        </p:txBody>
+      </p:sp>
+      <p:sp>
+        <p:nvSpPr>
+          <p:cNvPr id="20" name="Google Shape;110;p15">
+            <a:extLst>
+              <a:ext uri="{FF2B5EF4-FFF2-40B4-BE49-F238E27FC236}">
+                <a16:creationId xmlns:a16="http://schemas.microsoft.com/office/drawing/2014/main" id="{A220E298-DA04-1442-B384-4D8F70632DC7}"/>
+              </a:ext>
+            </a:extLst>
+          </p:cNvPr>
+          <p:cNvSpPr txBox="1"/>
+          <p:nvPr/>
+        </p:nvSpPr>
+        <p:spPr>
+          <a:xfrm>
+            <a:off x="0" y="0"/>
+            <a:ext cx="12192000" cy="1143000"/>
+          </a:xfrm>
+          <a:prstGeom prst="rect">
+            <a:avLst/>
+          </a:prstGeom>
+          <a:noFill/>
+          <a:ln>
+            <a:noFill/>
+          </a:ln>
+        </p:spPr>
+        <p:txBody>
+          <a:bodyPr spcFirstLastPara="1" wrap="square" lIns="91425" tIns="45700" rIns="91425" bIns="45700" anchor="ctr" anchorCtr="0">
+            <a:noAutofit/>
+          </a:bodyPr>
+          <a:lstStyle/>
+          <a:p>
+            <a:pPr>
+              <a:buClr>
+                <a:schemeClr val="dk2"/>
+              </a:buClr>
+              <a:buSzPts val="4400"/>
+            </a:pPr>
+            <a:r>
+              <a:rPr lang="en-US" sz="3600" dirty="0">
+                <a:latin typeface="Calibri"/>
+                <a:ea typeface="Calibri"/>
+                <a:cs typeface="Calibri"/>
+                <a:sym typeface="Calibri"/>
+              </a:rPr>
+              <a:t>    Basic setup of an ACT session</a:t>
+            </a:r>
+            <a:endParaRPr sz="3600" dirty="0"/>
+          </a:p>
+        </p:txBody>
+      </p:sp>
+    </p:spTree>
+    <p:extLst>
+      <p:ext uri="{BB962C8B-B14F-4D97-AF65-F5344CB8AC3E}">
+        <p14:creationId xmlns:p14="http://schemas.microsoft.com/office/powerpoint/2010/main" val="348423738"/>
       </p:ext>
     </p:extLst>
   </p:cSld>
